--- a/docs/lecture_slides/Week 8/Week8_Lecture15_Slides_2_26_2024.pptx
+++ b/docs/lecture_slides/Week 8/Week8_Lecture15_Slides_2_26_2024.pptx
@@ -9,8 +9,8 @@
     <p:sldId id="330" r:id="rId3"/>
     <p:sldId id="340" r:id="rId4"/>
     <p:sldId id="341" r:id="rId5"/>
-    <p:sldId id="344" r:id="rId6"/>
-    <p:sldId id="331" r:id="rId7"/>
+    <p:sldId id="331" r:id="rId6"/>
+    <p:sldId id="344" r:id="rId7"/>
     <p:sldId id="332" r:id="rId8"/>
     <p:sldId id="333" r:id="rId9"/>
     <p:sldId id="338" r:id="rId10"/>
@@ -3344,8 +3344,8 @@
           <a:chExt cx="0" cy="0"/>
         </a:xfrm>
       </p:grpSpPr>
-      <mc:AlternateContent xmlns:mc="http://schemas.openxmlformats.org/markup-compatibility/2006" xmlns:a14="http://schemas.microsoft.com/office/drawing/2010/main">
-        <mc:Choice Requires="a14">
+      <mc:AlternateContent xmlns:mc="http://schemas.openxmlformats.org/markup-compatibility/2006">
+        <mc:Choice xmlns:a14="http://schemas.microsoft.com/office/drawing/2010/main" Requires="a14">
           <p:sp>
             <p:nvSpPr>
               <p:cNvPr id="2" name="Title 1">
@@ -3383,7 +3383,7 @@
                 </a:br>
                 <a:r>
                   <a:rPr lang="en-US" dirty="0"/>
-                  <a:t>The Central Limit Theory</a:t>
+                  <a:t>The Central Limit Theorem</a:t>
                 </a:r>
                 <a:br>
                   <a:rPr lang="en-US" dirty="0"/>
@@ -3451,7 +3451,7 @@
             </p:txBody>
           </p:sp>
         </mc:Choice>
-        <mc:Fallback xmlns="">
+        <mc:Fallback>
           <p:sp>
             <p:nvSpPr>
               <p:cNvPr id="2" name="Title 1">
@@ -8932,1167 +8932,6 @@
 </file>
 
 <file path=ppt/slides/slide5.xml><?xml version="1.0" encoding="utf-8"?>
-<p:sld xmlns:a="http://schemas.openxmlformats.org/drawingml/2006/main" xmlns:r="http://schemas.openxmlformats.org/officeDocument/2006/relationships" xmlns:p="http://schemas.openxmlformats.org/presentationml/2006/main">
-  <p:cSld>
-    <p:spTree>
-      <p:nvGrpSpPr>
-        <p:cNvPr id="1" name=""/>
-        <p:cNvGrpSpPr/>
-        <p:nvPr/>
-      </p:nvGrpSpPr>
-      <p:grpSpPr>
-        <a:xfrm>
-          <a:off x="0" y="0"/>
-          <a:ext cx="0" cy="0"/>
-          <a:chOff x="0" y="0"/>
-          <a:chExt cx="0" cy="0"/>
-        </a:xfrm>
-      </p:grpSpPr>
-      <p:grpSp>
-        <p:nvGrpSpPr>
-          <p:cNvPr id="18" name="Group 17">
-            <a:extLst>
-              <a:ext uri="{FF2B5EF4-FFF2-40B4-BE49-F238E27FC236}">
-                <a16:creationId xmlns:a16="http://schemas.microsoft.com/office/drawing/2014/main" id="{D89B1A6F-DD70-9A27-6E7C-68EC9A3E8225}"/>
-              </a:ext>
-            </a:extLst>
-          </p:cNvPr>
-          <p:cNvGrpSpPr/>
-          <p:nvPr/>
-        </p:nvGrpSpPr>
-        <p:grpSpPr>
-          <a:xfrm>
-            <a:off x="6571092" y="702394"/>
-            <a:ext cx="5370569" cy="6008103"/>
-            <a:chOff x="6618226" y="157170"/>
-            <a:chExt cx="5370569" cy="6008103"/>
-          </a:xfrm>
-        </p:grpSpPr>
-        <p:pic>
-          <p:nvPicPr>
-            <p:cNvPr id="17" name="Picture 16">
-              <a:extLst>
-                <a:ext uri="{FF2B5EF4-FFF2-40B4-BE49-F238E27FC236}">
-                  <a16:creationId xmlns:a16="http://schemas.microsoft.com/office/drawing/2014/main" id="{A4339878-92DE-62D6-B226-AE260AAEE16E}"/>
-                </a:ext>
-              </a:extLst>
-            </p:cNvPr>
-            <p:cNvPicPr>
-              <a:picLocks noChangeAspect="1"/>
-            </p:cNvPicPr>
-            <p:nvPr/>
-          </p:nvPicPr>
-          <p:blipFill>
-            <a:blip r:embed="rId2"/>
-            <a:stretch>
-              <a:fillRect/>
-            </a:stretch>
-          </p:blipFill>
-          <p:spPr>
-            <a:xfrm>
-              <a:off x="6618226" y="3136810"/>
-              <a:ext cx="5370569" cy="3028463"/>
-            </a:xfrm>
-            <a:prstGeom prst="rect">
-              <a:avLst/>
-            </a:prstGeom>
-          </p:spPr>
-        </p:pic>
-        <p:pic>
-          <p:nvPicPr>
-            <p:cNvPr id="15" name="Picture 14">
-              <a:extLst>
-                <a:ext uri="{FF2B5EF4-FFF2-40B4-BE49-F238E27FC236}">
-                  <a16:creationId xmlns:a16="http://schemas.microsoft.com/office/drawing/2014/main" id="{05560237-F6BD-6D28-363F-9273FC79461E}"/>
-                </a:ext>
-              </a:extLst>
-            </p:cNvPr>
-            <p:cNvPicPr>
-              <a:picLocks noChangeAspect="1"/>
-            </p:cNvPicPr>
-            <p:nvPr/>
-          </p:nvPicPr>
-          <p:blipFill>
-            <a:blip r:embed="rId3"/>
-            <a:stretch>
-              <a:fillRect/>
-            </a:stretch>
-          </p:blipFill>
-          <p:spPr>
-            <a:xfrm>
-              <a:off x="6618226" y="157170"/>
-              <a:ext cx="5370569" cy="3027561"/>
-            </a:xfrm>
-            <a:prstGeom prst="rect">
-              <a:avLst/>
-            </a:prstGeom>
-          </p:spPr>
-        </p:pic>
-        <p:cxnSp>
-          <p:nvCxnSpPr>
-            <p:cNvPr id="10" name="Straight Connector 9">
-              <a:extLst>
-                <a:ext uri="{FF2B5EF4-FFF2-40B4-BE49-F238E27FC236}">
-                  <a16:creationId xmlns:a16="http://schemas.microsoft.com/office/drawing/2014/main" id="{23E0395F-E355-DAD0-2939-30BAC8106106}"/>
-                </a:ext>
-              </a:extLst>
-            </p:cNvPr>
-            <p:cNvCxnSpPr>
-              <a:cxnSpLocks/>
-            </p:cNvCxnSpPr>
-            <p:nvPr/>
-          </p:nvCxnSpPr>
-          <p:spPr>
-            <a:xfrm flipV="1">
-              <a:off x="8327201" y="332169"/>
-              <a:ext cx="0" cy="5578764"/>
-            </a:xfrm>
-            <a:prstGeom prst="line">
-              <a:avLst/>
-            </a:prstGeom>
-            <a:ln w="38100">
-              <a:solidFill>
-                <a:schemeClr val="tx1"/>
-              </a:solidFill>
-              <a:prstDash val="sysDash"/>
-            </a:ln>
-          </p:spPr>
-          <p:style>
-            <a:lnRef idx="1">
-              <a:schemeClr val="accent1"/>
-            </a:lnRef>
-            <a:fillRef idx="0">
-              <a:schemeClr val="accent1"/>
-            </a:fillRef>
-            <a:effectRef idx="0">
-              <a:schemeClr val="accent1"/>
-            </a:effectRef>
-            <a:fontRef idx="minor">
-              <a:schemeClr val="tx1"/>
-            </a:fontRef>
-          </p:style>
-        </p:cxnSp>
-        <p:cxnSp>
-          <p:nvCxnSpPr>
-            <p:cNvPr id="11" name="Straight Connector 10">
-              <a:extLst>
-                <a:ext uri="{FF2B5EF4-FFF2-40B4-BE49-F238E27FC236}">
-                  <a16:creationId xmlns:a16="http://schemas.microsoft.com/office/drawing/2014/main" id="{8DE64BAF-6C20-AA02-27C2-3D4056EC655A}"/>
-                </a:ext>
-              </a:extLst>
-            </p:cNvPr>
-            <p:cNvCxnSpPr>
-              <a:cxnSpLocks/>
-            </p:cNvCxnSpPr>
-            <p:nvPr/>
-          </p:nvCxnSpPr>
-          <p:spPr>
-            <a:xfrm flipV="1">
-              <a:off x="10668429" y="332169"/>
-              <a:ext cx="0" cy="5578764"/>
-            </a:xfrm>
-            <a:prstGeom prst="line">
-              <a:avLst/>
-            </a:prstGeom>
-            <a:ln w="38100">
-              <a:solidFill>
-                <a:schemeClr val="tx1"/>
-              </a:solidFill>
-              <a:prstDash val="sysDash"/>
-            </a:ln>
-          </p:spPr>
-          <p:style>
-            <a:lnRef idx="1">
-              <a:schemeClr val="accent1"/>
-            </a:lnRef>
-            <a:fillRef idx="0">
-              <a:schemeClr val="accent1"/>
-            </a:fillRef>
-            <a:effectRef idx="0">
-              <a:schemeClr val="accent1"/>
-            </a:effectRef>
-            <a:fontRef idx="minor">
-              <a:schemeClr val="tx1"/>
-            </a:fontRef>
-          </p:style>
-        </p:cxnSp>
-      </p:grpSp>
-      <p:sp>
-        <p:nvSpPr>
-          <p:cNvPr id="2" name="Title 1">
-            <a:extLst>
-              <a:ext uri="{FF2B5EF4-FFF2-40B4-BE49-F238E27FC236}">
-                <a16:creationId xmlns:a16="http://schemas.microsoft.com/office/drawing/2014/main" id="{56204002-685A-1A07-FAE0-91D90C0D530A}"/>
-              </a:ext>
-            </a:extLst>
-          </p:cNvPr>
-          <p:cNvSpPr>
-            <a:spLocks noGrp="1"/>
-          </p:cNvSpPr>
-          <p:nvPr>
-            <p:ph type="title"/>
-          </p:nvPr>
-        </p:nvSpPr>
-        <p:spPr>
-          <a:xfrm>
-            <a:off x="99391" y="365125"/>
-            <a:ext cx="5883965" cy="1325563"/>
-          </a:xfrm>
-        </p:spPr>
-        <p:txBody>
-          <a:bodyPr>
-            <a:noAutofit/>
-          </a:bodyPr>
-          <a:lstStyle/>
-          <a:p>
-            <a:r>
-              <a:rPr lang="en-US" sz="2800" dirty="0"/>
-              <a:t>Tips For Finding Probabilities From Continuous Distributions</a:t>
-            </a:r>
-          </a:p>
-        </p:txBody>
-      </p:sp>
-      <mc:AlternateContent xmlns:mc="http://schemas.openxmlformats.org/markup-compatibility/2006" xmlns:a14="http://schemas.microsoft.com/office/drawing/2010/main">
-        <mc:Choice Requires="a14">
-          <p:sp>
-            <p:nvSpPr>
-              <p:cNvPr id="3" name="Content Placeholder 2">
-                <a:extLst>
-                  <a:ext uri="{FF2B5EF4-FFF2-40B4-BE49-F238E27FC236}">
-                    <a16:creationId xmlns:a16="http://schemas.microsoft.com/office/drawing/2014/main" id="{958916F8-3273-B8FD-6E56-024E55DD4FA2}"/>
-                  </a:ext>
-                </a:extLst>
-              </p:cNvPr>
-              <p:cNvSpPr>
-                <a:spLocks noGrp="1"/>
-              </p:cNvSpPr>
-              <p:nvPr>
-                <p:ph idx="1"/>
-              </p:nvPr>
-            </p:nvSpPr>
-            <p:spPr>
-              <a:xfrm>
-                <a:off x="213362" y="2141537"/>
-                <a:ext cx="6357730" cy="4351338"/>
-              </a:xfrm>
-            </p:spPr>
-            <p:txBody>
-              <a:bodyPr>
-                <a:normAutofit fontScale="62500" lnSpcReduction="20000"/>
-              </a:bodyPr>
-              <a:lstStyle/>
-              <a:p>
-                <a:pPr marL="0" indent="0">
-                  <a:buNone/>
-                </a:pPr>
-                <a:r>
-                  <a:rPr lang="en-US" dirty="0"/>
-                  <a:t>- Tips for finding probabilities from continuous distributions</a:t>
-                </a:r>
-              </a:p>
-              <a:p>
-                <a:pPr marL="0" indent="0">
-                  <a:buNone/>
-                </a:pPr>
-                <a:r>
-                  <a:rPr lang="en-US" dirty="0"/>
-                  <a:t>- As we point out before, for a continuous distribution </a:t>
-                </a:r>
-                <a14:m>
-                  <m:oMath xmlns:m="http://schemas.openxmlformats.org/officeDocument/2006/math">
-                    <m:r>
-                      <a:rPr lang="en-US" b="0" i="1" smtClean="0">
-                        <a:latin typeface="Cambria Math" panose="02040503050406030204" pitchFamily="18" charset="0"/>
-                      </a:rPr>
-                      <m:t>𝑃</m:t>
-                    </m:r>
-                    <m:d>
-                      <m:dPr>
-                        <m:ctrlPr>
-                          <a:rPr lang="en-US" b="0" i="1" smtClean="0">
-                            <a:latin typeface="Cambria Math" panose="02040503050406030204" pitchFamily="18" charset="0"/>
-                          </a:rPr>
-                        </m:ctrlPr>
-                      </m:dPr>
-                      <m:e>
-                        <m:r>
-                          <a:rPr lang="en-US" b="0" i="1" smtClean="0">
-                            <a:latin typeface="Cambria Math" panose="02040503050406030204" pitchFamily="18" charset="0"/>
-                          </a:rPr>
-                          <m:t>𝑋</m:t>
-                        </m:r>
-                        <m:r>
-                          <a:rPr lang="en-US" b="0" i="1" smtClean="0">
-                            <a:latin typeface="Cambria Math" panose="02040503050406030204" pitchFamily="18" charset="0"/>
-                          </a:rPr>
-                          <m:t>=</m:t>
-                        </m:r>
-                        <m:r>
-                          <a:rPr lang="en-US" b="0" i="1" smtClean="0">
-                            <a:latin typeface="Cambria Math" panose="02040503050406030204" pitchFamily="18" charset="0"/>
-                          </a:rPr>
-                          <m:t>𝑥</m:t>
-                        </m:r>
-                      </m:e>
-                    </m:d>
-                    <m:r>
-                      <a:rPr lang="en-US" b="0" i="1" smtClean="0">
-                        <a:latin typeface="Cambria Math" panose="02040503050406030204" pitchFamily="18" charset="0"/>
-                      </a:rPr>
-                      <m:t>=0</m:t>
-                    </m:r>
-                  </m:oMath>
-                </a14:m>
-                <a:endParaRPr lang="en-US" dirty="0"/>
-              </a:p>
-              <a:p>
-                <a:pPr marL="0" indent="0">
-                  <a:buNone/>
-                </a:pPr>
-                <a:endParaRPr lang="en-US" dirty="0"/>
-              </a:p>
-              <a:p>
-                <a:pPr marL="0" indent="0">
-                  <a:buNone/>
-                </a:pPr>
-                <a:r>
-                  <a:rPr lang="en-US" dirty="0"/>
-                  <a:t>- So we typically deal with finding probabilities of </a:t>
-                </a:r>
-                <a14:m>
-                  <m:oMath xmlns:m="http://schemas.openxmlformats.org/officeDocument/2006/math">
-                    <m:r>
-                      <a:rPr lang="en-US" b="0" i="1" smtClean="0">
-                        <a:latin typeface="Cambria Math" panose="02040503050406030204" pitchFamily="18" charset="0"/>
-                      </a:rPr>
-                      <m:t>𝑋</m:t>
-                    </m:r>
-                  </m:oMath>
-                </a14:m>
-                <a:r>
-                  <a:rPr lang="en-US" dirty="0"/>
-                  <a:t> falling in some interval </a:t>
-                </a:r>
-              </a:p>
-              <a:p>
-                <a:pPr marL="457200" lvl="1" indent="0">
-                  <a:buNone/>
-                </a:pPr>
-                <a:r>
-                  <a:rPr lang="en-US" dirty="0" err="1"/>
-                  <a:t>e.g</a:t>
-                </a:r>
-                <a:r>
-                  <a:rPr lang="en-US" dirty="0"/>
-                  <a:t> </a:t>
-                </a:r>
-                <a14:m>
-                  <m:oMath xmlns:m="http://schemas.openxmlformats.org/officeDocument/2006/math">
-                    <m:r>
-                      <a:rPr lang="en-US" b="0" i="1" smtClean="0">
-                        <a:latin typeface="Cambria Math" panose="02040503050406030204" pitchFamily="18" charset="0"/>
-                      </a:rPr>
-                      <m:t>𝑃</m:t>
-                    </m:r>
-                    <m:d>
-                      <m:dPr>
-                        <m:ctrlPr>
-                          <a:rPr lang="en-US" b="0" i="1" smtClean="0">
-                            <a:latin typeface="Cambria Math" panose="02040503050406030204" pitchFamily="18" charset="0"/>
-                          </a:rPr>
-                        </m:ctrlPr>
-                      </m:dPr>
-                      <m:e>
-                        <m:r>
-                          <a:rPr lang="en-US" b="0" i="1" smtClean="0">
-                            <a:latin typeface="Cambria Math" panose="02040503050406030204" pitchFamily="18" charset="0"/>
-                          </a:rPr>
-                          <m:t>𝑋</m:t>
-                        </m:r>
-                        <m:r>
-                          <a:rPr lang="en-US" b="0" i="1" smtClean="0">
-                            <a:latin typeface="Cambria Math" panose="02040503050406030204" pitchFamily="18" charset="0"/>
-                          </a:rPr>
-                          <m:t>&lt;</m:t>
-                        </m:r>
-                        <m:r>
-                          <a:rPr lang="en-US" b="0" i="1" smtClean="0">
-                            <a:latin typeface="Cambria Math" panose="02040503050406030204" pitchFamily="18" charset="0"/>
-                          </a:rPr>
-                          <m:t>𝑥</m:t>
-                        </m:r>
-                      </m:e>
-                    </m:d>
-                  </m:oMath>
-                </a14:m>
-                <a:r>
-                  <a:rPr lang="en-US" dirty="0"/>
-                  <a:t>, </a:t>
-                </a:r>
-                <a14:m>
-                  <m:oMath xmlns:m="http://schemas.openxmlformats.org/officeDocument/2006/math">
-                    <m:r>
-                      <a:rPr lang="en-US" b="0" i="1" smtClean="0">
-                        <a:latin typeface="Cambria Math" panose="02040503050406030204" pitchFamily="18" charset="0"/>
-                      </a:rPr>
-                      <m:t>𝑃</m:t>
-                    </m:r>
-                    <m:d>
-                      <m:dPr>
-                        <m:ctrlPr>
-                          <a:rPr lang="en-US" b="0" i="1" smtClean="0">
-                            <a:latin typeface="Cambria Math" panose="02040503050406030204" pitchFamily="18" charset="0"/>
-                          </a:rPr>
-                        </m:ctrlPr>
-                      </m:dPr>
-                      <m:e>
-                        <m:r>
-                          <a:rPr lang="en-US" b="0" i="1" smtClean="0">
-                            <a:latin typeface="Cambria Math" panose="02040503050406030204" pitchFamily="18" charset="0"/>
-                          </a:rPr>
-                          <m:t>𝑋</m:t>
-                        </m:r>
-                        <m:r>
-                          <a:rPr lang="en-US" b="0" i="1" smtClean="0">
-                            <a:latin typeface="Cambria Math" panose="02040503050406030204" pitchFamily="18" charset="0"/>
-                          </a:rPr>
-                          <m:t>&gt;</m:t>
-                        </m:r>
-                        <m:r>
-                          <a:rPr lang="en-US" b="0" i="1" smtClean="0">
-                            <a:latin typeface="Cambria Math" panose="02040503050406030204" pitchFamily="18" charset="0"/>
-                          </a:rPr>
-                          <m:t>𝑥</m:t>
-                        </m:r>
-                      </m:e>
-                    </m:d>
-                    <m:r>
-                      <a:rPr lang="en-US" b="0" i="1" smtClean="0">
-                        <a:latin typeface="Cambria Math" panose="02040503050406030204" pitchFamily="18" charset="0"/>
-                      </a:rPr>
-                      <m:t>, </m:t>
-                    </m:r>
-                  </m:oMath>
-                </a14:m>
-                <a:r>
-                  <a:rPr lang="en-US" dirty="0"/>
-                  <a:t>or </a:t>
-                </a:r>
-                <a14:m>
-                  <m:oMath xmlns:m="http://schemas.openxmlformats.org/officeDocument/2006/math">
-                    <m:r>
-                      <a:rPr lang="en-US" b="0" i="1" smtClean="0">
-                        <a:latin typeface="Cambria Math" panose="02040503050406030204" pitchFamily="18" charset="0"/>
-                      </a:rPr>
-                      <m:t>𝑃</m:t>
-                    </m:r>
-                    <m:r>
-                      <a:rPr lang="en-US" b="0" i="1" smtClean="0">
-                        <a:latin typeface="Cambria Math" panose="02040503050406030204" pitchFamily="18" charset="0"/>
-                      </a:rPr>
-                      <m:t>(</m:t>
-                    </m:r>
-                    <m:r>
-                      <a:rPr lang="en-US" b="0" i="1" smtClean="0">
-                        <a:latin typeface="Cambria Math" panose="02040503050406030204" pitchFamily="18" charset="0"/>
-                      </a:rPr>
-                      <m:t>𝑎</m:t>
-                    </m:r>
-                    <m:r>
-                      <a:rPr lang="en-US" b="0" i="1" smtClean="0">
-                        <a:latin typeface="Cambria Math" panose="02040503050406030204" pitchFamily="18" charset="0"/>
-                      </a:rPr>
-                      <m:t>&lt;</m:t>
-                    </m:r>
-                    <m:r>
-                      <a:rPr lang="en-US" b="0" i="1" smtClean="0">
-                        <a:latin typeface="Cambria Math" panose="02040503050406030204" pitchFamily="18" charset="0"/>
-                      </a:rPr>
-                      <m:t>𝑋</m:t>
-                    </m:r>
-                    <m:r>
-                      <a:rPr lang="en-US" b="0" i="1" smtClean="0">
-                        <a:latin typeface="Cambria Math" panose="02040503050406030204" pitchFamily="18" charset="0"/>
-                      </a:rPr>
-                      <m:t>&lt;</m:t>
-                    </m:r>
-                    <m:r>
-                      <a:rPr lang="en-US" b="0" i="1" smtClean="0">
-                        <a:latin typeface="Cambria Math" panose="02040503050406030204" pitchFamily="18" charset="0"/>
-                      </a:rPr>
-                      <m:t>𝑏</m:t>
-                    </m:r>
-                    <m:r>
-                      <a:rPr lang="en-US" b="0" i="1" smtClean="0">
-                        <a:latin typeface="Cambria Math" panose="02040503050406030204" pitchFamily="18" charset="0"/>
-                      </a:rPr>
-                      <m:t>)</m:t>
-                    </m:r>
-                  </m:oMath>
-                </a14:m>
-                <a:endParaRPr lang="en-US" dirty="0"/>
-              </a:p>
-              <a:p>
-                <a:endParaRPr lang="en-US" dirty="0"/>
-              </a:p>
-              <a:p>
-                <a:pPr marL="0" indent="0">
-                  <a:buNone/>
-                </a:pPr>
-                <a:r>
-                  <a:rPr lang="en-US" dirty="0"/>
-                  <a:t>Since most probability tables and software compute the probabilities using the cumulative distribution function we can use the following rules:</a:t>
-                </a:r>
-              </a:p>
-              <a:p>
-                <a:endParaRPr lang="en-US" dirty="0"/>
-              </a:p>
-              <a:p>
-                <a14:m>
-                  <m:oMath xmlns:m="http://schemas.openxmlformats.org/officeDocument/2006/math">
-                    <m:r>
-                      <a:rPr lang="en-US" b="0" i="1" smtClean="0">
-                        <a:latin typeface="Cambria Math" panose="02040503050406030204" pitchFamily="18" charset="0"/>
-                      </a:rPr>
-                      <m:t>𝑃</m:t>
-                    </m:r>
-                    <m:d>
-                      <m:dPr>
-                        <m:ctrlPr>
-                          <a:rPr lang="en-US" b="0" i="1" smtClean="0">
-                            <a:latin typeface="Cambria Math" panose="02040503050406030204" pitchFamily="18" charset="0"/>
-                          </a:rPr>
-                        </m:ctrlPr>
-                      </m:dPr>
-                      <m:e>
-                        <m:r>
-                          <a:rPr lang="en-US" b="0" i="1" smtClean="0">
-                            <a:latin typeface="Cambria Math" panose="02040503050406030204" pitchFamily="18" charset="0"/>
-                          </a:rPr>
-                          <m:t>𝑋</m:t>
-                        </m:r>
-                        <m:r>
-                          <a:rPr lang="en-US" b="0" i="1" smtClean="0">
-                            <a:latin typeface="Cambria Math" panose="02040503050406030204" pitchFamily="18" charset="0"/>
-                          </a:rPr>
-                          <m:t>&gt;</m:t>
-                        </m:r>
-                        <m:r>
-                          <a:rPr lang="en-US" b="0" i="1" smtClean="0">
-                            <a:latin typeface="Cambria Math" panose="02040503050406030204" pitchFamily="18" charset="0"/>
-                          </a:rPr>
-                          <m:t>𝑥</m:t>
-                        </m:r>
-                      </m:e>
-                    </m:d>
-                    <m:r>
-                      <a:rPr lang="en-US" b="0" i="1" smtClean="0">
-                        <a:latin typeface="Cambria Math" panose="02040503050406030204" pitchFamily="18" charset="0"/>
-                      </a:rPr>
-                      <m:t>=1−</m:t>
-                    </m:r>
-                    <m:r>
-                      <a:rPr lang="en-US" b="0" i="1" smtClean="0">
-                        <a:latin typeface="Cambria Math" panose="02040503050406030204" pitchFamily="18" charset="0"/>
-                      </a:rPr>
-                      <m:t>𝑃</m:t>
-                    </m:r>
-                    <m:d>
-                      <m:dPr>
-                        <m:ctrlPr>
-                          <a:rPr lang="en-US" b="0" i="1" smtClean="0">
-                            <a:latin typeface="Cambria Math" panose="02040503050406030204" pitchFamily="18" charset="0"/>
-                          </a:rPr>
-                        </m:ctrlPr>
-                      </m:dPr>
-                      <m:e>
-                        <m:r>
-                          <a:rPr lang="en-US" b="0" i="1" smtClean="0">
-                            <a:latin typeface="Cambria Math" panose="02040503050406030204" pitchFamily="18" charset="0"/>
-                          </a:rPr>
-                          <m:t>𝑋</m:t>
-                        </m:r>
-                        <m:r>
-                          <a:rPr lang="en-US" b="0" i="1" smtClean="0">
-                            <a:latin typeface="Cambria Math" panose="02040503050406030204" pitchFamily="18" charset="0"/>
-                          </a:rPr>
-                          <m:t>≤</m:t>
-                        </m:r>
-                        <m:r>
-                          <a:rPr lang="en-US" b="0" i="1" smtClean="0">
-                            <a:latin typeface="Cambria Math" panose="02040503050406030204" pitchFamily="18" charset="0"/>
-                          </a:rPr>
-                          <m:t>𝑥</m:t>
-                        </m:r>
-                      </m:e>
-                    </m:d>
-                  </m:oMath>
-                </a14:m>
-                <a:endParaRPr lang="en-US" b="0" dirty="0"/>
-              </a:p>
-              <a:p>
-                <a:endParaRPr lang="en-US" dirty="0"/>
-              </a:p>
-              <a:p>
-                <a14:m>
-                  <m:oMath xmlns:m="http://schemas.openxmlformats.org/officeDocument/2006/math">
-                    <m:r>
-                      <a:rPr lang="en-US" b="0" i="1" smtClean="0">
-                        <a:latin typeface="Cambria Math" panose="02040503050406030204" pitchFamily="18" charset="0"/>
-                      </a:rPr>
-                      <m:t>𝑃</m:t>
-                    </m:r>
-                    <m:d>
-                      <m:dPr>
-                        <m:ctrlPr>
-                          <a:rPr lang="en-US" b="0" i="1" smtClean="0">
-                            <a:latin typeface="Cambria Math" panose="02040503050406030204" pitchFamily="18" charset="0"/>
-                          </a:rPr>
-                        </m:ctrlPr>
-                      </m:dPr>
-                      <m:e>
-                        <m:r>
-                          <a:rPr lang="en-US" b="0" i="1" smtClean="0">
-                            <a:latin typeface="Cambria Math" panose="02040503050406030204" pitchFamily="18" charset="0"/>
-                          </a:rPr>
-                          <m:t>𝑎</m:t>
-                        </m:r>
-                        <m:r>
-                          <a:rPr lang="en-US" b="0" i="1" smtClean="0">
-                            <a:latin typeface="Cambria Math" panose="02040503050406030204" pitchFamily="18" charset="0"/>
-                          </a:rPr>
-                          <m:t>&lt;</m:t>
-                        </m:r>
-                        <m:r>
-                          <a:rPr lang="en-US" b="0" i="1" smtClean="0">
-                            <a:latin typeface="Cambria Math" panose="02040503050406030204" pitchFamily="18" charset="0"/>
-                          </a:rPr>
-                          <m:t>𝑋</m:t>
-                        </m:r>
-                        <m:r>
-                          <a:rPr lang="en-US" b="0" i="1" smtClean="0">
-                            <a:latin typeface="Cambria Math" panose="02040503050406030204" pitchFamily="18" charset="0"/>
-                          </a:rPr>
-                          <m:t>&lt;</m:t>
-                        </m:r>
-                        <m:r>
-                          <a:rPr lang="en-US" b="0" i="1" smtClean="0">
-                            <a:latin typeface="Cambria Math" panose="02040503050406030204" pitchFamily="18" charset="0"/>
-                          </a:rPr>
-                          <m:t>𝑏</m:t>
-                        </m:r>
-                      </m:e>
-                    </m:d>
-                    <m:r>
-                      <a:rPr lang="en-US" b="0" i="1" smtClean="0">
-                        <a:latin typeface="Cambria Math" panose="02040503050406030204" pitchFamily="18" charset="0"/>
-                      </a:rPr>
-                      <m:t>=</m:t>
-                    </m:r>
-                    <m:r>
-                      <a:rPr lang="en-US" b="0" i="1" smtClean="0">
-                        <a:latin typeface="Cambria Math" panose="02040503050406030204" pitchFamily="18" charset="0"/>
-                      </a:rPr>
-                      <m:t>𝑃</m:t>
-                    </m:r>
-                    <m:d>
-                      <m:dPr>
-                        <m:ctrlPr>
-                          <a:rPr lang="en-US" b="0" i="1" smtClean="0">
-                            <a:latin typeface="Cambria Math" panose="02040503050406030204" pitchFamily="18" charset="0"/>
-                          </a:rPr>
-                        </m:ctrlPr>
-                      </m:dPr>
-                      <m:e>
-                        <m:r>
-                          <a:rPr lang="en-US" b="0" i="1" smtClean="0">
-                            <a:latin typeface="Cambria Math" panose="02040503050406030204" pitchFamily="18" charset="0"/>
-                          </a:rPr>
-                          <m:t>𝑋</m:t>
-                        </m:r>
-                        <m:r>
-                          <a:rPr lang="en-US" b="0" i="0" smtClean="0">
-                            <a:latin typeface="Cambria Math" panose="02040503050406030204" pitchFamily="18" charset="0"/>
-                          </a:rPr>
-                          <m:t>&lt;</m:t>
-                        </m:r>
-                        <m:r>
-                          <m:rPr>
-                            <m:sty m:val="p"/>
-                          </m:rPr>
-                          <a:rPr lang="en-US" b="0" i="0" smtClean="0">
-                            <a:latin typeface="Cambria Math" panose="02040503050406030204" pitchFamily="18" charset="0"/>
-                          </a:rPr>
-                          <m:t>b</m:t>
-                        </m:r>
-                      </m:e>
-                    </m:d>
-                    <m:r>
-                      <a:rPr lang="en-US" b="0" i="0" smtClean="0">
-                        <a:latin typeface="Cambria Math" panose="02040503050406030204" pitchFamily="18" charset="0"/>
-                      </a:rPr>
-                      <m:t>−</m:t>
-                    </m:r>
-                    <m:r>
-                      <a:rPr lang="en-US" b="0" i="1" smtClean="0">
-                        <a:latin typeface="Cambria Math" panose="02040503050406030204" pitchFamily="18" charset="0"/>
-                      </a:rPr>
-                      <m:t>𝑃</m:t>
-                    </m:r>
-                    <m:r>
-                      <a:rPr lang="en-US" b="0" i="1" smtClean="0">
-                        <a:latin typeface="Cambria Math" panose="02040503050406030204" pitchFamily="18" charset="0"/>
-                      </a:rPr>
-                      <m:t>(</m:t>
-                    </m:r>
-                    <m:r>
-                      <a:rPr lang="en-US" b="0" i="1" smtClean="0">
-                        <a:latin typeface="Cambria Math" panose="02040503050406030204" pitchFamily="18" charset="0"/>
-                      </a:rPr>
-                      <m:t>𝑋</m:t>
-                    </m:r>
-                    <m:r>
-                      <a:rPr lang="en-US" b="0" i="1" smtClean="0">
-                        <a:latin typeface="Cambria Math" panose="02040503050406030204" pitchFamily="18" charset="0"/>
-                      </a:rPr>
-                      <m:t>&lt;</m:t>
-                    </m:r>
-                    <m:r>
-                      <a:rPr lang="en-US" b="0" i="1" smtClean="0">
-                        <a:latin typeface="Cambria Math" panose="02040503050406030204" pitchFamily="18" charset="0"/>
-                      </a:rPr>
-                      <m:t>𝑎</m:t>
-                    </m:r>
-                    <m:r>
-                      <a:rPr lang="en-US" b="0" i="1" smtClean="0">
-                        <a:latin typeface="Cambria Math" panose="02040503050406030204" pitchFamily="18" charset="0"/>
-                      </a:rPr>
-                      <m:t>)</m:t>
-                    </m:r>
-                  </m:oMath>
-                </a14:m>
-                <a:endParaRPr lang="en-US" dirty="0"/>
-              </a:p>
-            </p:txBody>
-          </p:sp>
-        </mc:Choice>
-        <mc:Fallback xmlns="">
-          <p:sp>
-            <p:nvSpPr>
-              <p:cNvPr id="3" name="Content Placeholder 2">
-                <a:extLst>
-                  <a:ext uri="{FF2B5EF4-FFF2-40B4-BE49-F238E27FC236}">
-                    <a16:creationId xmlns:a16="http://schemas.microsoft.com/office/drawing/2014/main" id="{958916F8-3273-B8FD-6E56-024E55DD4FA2}"/>
-                  </a:ext>
-                </a:extLst>
-              </p:cNvPr>
-              <p:cNvSpPr>
-                <a:spLocks noGrp="1" noRot="1" noChangeAspect="1" noMove="1" noResize="1" noEditPoints="1" noAdjustHandles="1" noChangeArrowheads="1" noChangeShapeType="1" noTextEdit="1"/>
-              </p:cNvSpPr>
-              <p:nvPr>
-                <p:ph idx="1"/>
-              </p:nvPr>
-            </p:nvSpPr>
-            <p:spPr>
-              <a:xfrm>
-                <a:off x="213362" y="2141537"/>
-                <a:ext cx="6357730" cy="4351338"/>
-              </a:xfrm>
-              <a:blipFill>
-                <a:blip r:embed="rId4"/>
-                <a:stretch>
-                  <a:fillRect l="-3260" t="-4482" r="-1342"/>
-                </a:stretch>
-              </a:blipFill>
-            </p:spPr>
-            <p:txBody>
-              <a:bodyPr/>
-              <a:lstStyle/>
-              <a:p>
-                <a:r>
-                  <a:rPr lang="en-US">
-                    <a:noFill/>
-                  </a:rPr>
-                  <a:t> </a:t>
-                </a:r>
-              </a:p>
-            </p:txBody>
-          </p:sp>
-        </mc:Fallback>
-      </mc:AlternateContent>
-      <mc:AlternateContent xmlns:mc="http://schemas.openxmlformats.org/markup-compatibility/2006" xmlns:a14="http://schemas.microsoft.com/office/drawing/2010/main">
-        <mc:Choice Requires="a14">
-          <p:sp>
-            <p:nvSpPr>
-              <p:cNvPr id="5" name="TextBox 4">
-                <a:extLst>
-                  <a:ext uri="{FF2B5EF4-FFF2-40B4-BE49-F238E27FC236}">
-                    <a16:creationId xmlns:a16="http://schemas.microsoft.com/office/drawing/2014/main" id="{1C38719F-2036-B5A5-781C-4D8AE4DC7708}"/>
-                  </a:ext>
-                </a:extLst>
-              </p:cNvPr>
-              <p:cNvSpPr txBox="1"/>
-              <p:nvPr/>
-            </p:nvSpPr>
-            <p:spPr>
-              <a:xfrm>
-                <a:off x="6329054" y="1321356"/>
-                <a:ext cx="1752764" cy="369332"/>
-              </a:xfrm>
-              <a:prstGeom prst="rect">
-                <a:avLst/>
-              </a:prstGeom>
-              <a:noFill/>
-            </p:spPr>
-            <p:txBody>
-              <a:bodyPr wrap="square" rtlCol="0">
-                <a:spAutoFit/>
-              </a:bodyPr>
-              <a:lstStyle/>
-              <a:p>
-                <a:pPr/>
-                <a14:m>
-                  <m:oMathPara xmlns:m="http://schemas.openxmlformats.org/officeDocument/2006/math">
-                    <m:oMathParaPr>
-                      <m:jc m:val="centerGroup"/>
-                    </m:oMathParaPr>
-                    <m:oMath xmlns:m="http://schemas.openxmlformats.org/officeDocument/2006/math">
-                      <m:r>
-                        <a:rPr lang="en-US" b="0" i="1" smtClean="0">
-                          <a:latin typeface="Cambria Math" panose="02040503050406030204" pitchFamily="18" charset="0"/>
-                        </a:rPr>
-                        <m:t>𝑃</m:t>
-                      </m:r>
-                      <m:r>
-                        <a:rPr lang="en-US" b="0" i="1" smtClean="0">
-                          <a:latin typeface="Cambria Math" panose="02040503050406030204" pitchFamily="18" charset="0"/>
-                        </a:rPr>
-                        <m:t>(</m:t>
-                      </m:r>
-                      <m:r>
-                        <a:rPr lang="en-US" b="0" i="1" smtClean="0">
-                          <a:latin typeface="Cambria Math" panose="02040503050406030204" pitchFamily="18" charset="0"/>
-                        </a:rPr>
-                        <m:t>𝑋</m:t>
-                      </m:r>
-                      <m:r>
-                        <a:rPr lang="en-US" b="0" i="1" smtClean="0">
-                          <a:latin typeface="Cambria Math" panose="02040503050406030204" pitchFamily="18" charset="0"/>
-                        </a:rPr>
-                        <m:t>&lt;1.8)</m:t>
-                      </m:r>
-                    </m:oMath>
-                  </m:oMathPara>
-                </a14:m>
-                <a:endParaRPr lang="en-US" dirty="0"/>
-              </a:p>
-            </p:txBody>
-          </p:sp>
-        </mc:Choice>
-        <mc:Fallback xmlns="">
-          <p:sp>
-            <p:nvSpPr>
-              <p:cNvPr id="5" name="TextBox 4">
-                <a:extLst>
-                  <a:ext uri="{FF2B5EF4-FFF2-40B4-BE49-F238E27FC236}">
-                    <a16:creationId xmlns:a16="http://schemas.microsoft.com/office/drawing/2014/main" id="{1C38719F-2036-B5A5-781C-4D8AE4DC7708}"/>
-                  </a:ext>
-                </a:extLst>
-              </p:cNvPr>
-              <p:cNvSpPr txBox="1">
-                <a:spLocks noRot="1" noChangeAspect="1" noMove="1" noResize="1" noEditPoints="1" noAdjustHandles="1" noChangeArrowheads="1" noChangeShapeType="1" noTextEdit="1"/>
-              </p:cNvSpPr>
-              <p:nvPr/>
-            </p:nvSpPr>
-            <p:spPr>
-              <a:xfrm>
-                <a:off x="6329054" y="1321356"/>
-                <a:ext cx="1752764" cy="369332"/>
-              </a:xfrm>
-              <a:prstGeom prst="rect">
-                <a:avLst/>
-              </a:prstGeom>
-              <a:blipFill>
-                <a:blip r:embed="rId5"/>
-                <a:stretch>
-                  <a:fillRect b="-13333"/>
-                </a:stretch>
-              </a:blipFill>
-            </p:spPr>
-            <p:txBody>
-              <a:bodyPr/>
-              <a:lstStyle/>
-              <a:p>
-                <a:r>
-                  <a:rPr lang="en-US">
-                    <a:noFill/>
-                  </a:rPr>
-                  <a:t> </a:t>
-                </a:r>
-              </a:p>
-            </p:txBody>
-          </p:sp>
-        </mc:Fallback>
-      </mc:AlternateContent>
-      <mc:AlternateContent xmlns:mc="http://schemas.openxmlformats.org/markup-compatibility/2006" xmlns:a14="http://schemas.microsoft.com/office/drawing/2010/main">
-        <mc:Choice Requires="a14">
-          <p:sp>
-            <p:nvSpPr>
-              <p:cNvPr id="6" name="TextBox 5">
-                <a:extLst>
-                  <a:ext uri="{FF2B5EF4-FFF2-40B4-BE49-F238E27FC236}">
-                    <a16:creationId xmlns:a16="http://schemas.microsoft.com/office/drawing/2014/main" id="{F84198F8-374C-85CA-2C5F-407DF162F2C5}"/>
-                  </a:ext>
-                </a:extLst>
-              </p:cNvPr>
-              <p:cNvSpPr txBox="1"/>
-              <p:nvPr/>
-            </p:nvSpPr>
-            <p:spPr>
-              <a:xfrm>
-                <a:off x="8154882" y="147503"/>
-                <a:ext cx="2233092" cy="369332"/>
-              </a:xfrm>
-              <a:prstGeom prst="rect">
-                <a:avLst/>
-              </a:prstGeom>
-              <a:noFill/>
-            </p:spPr>
-            <p:txBody>
-              <a:bodyPr wrap="square" rtlCol="0">
-                <a:spAutoFit/>
-              </a:bodyPr>
-              <a:lstStyle/>
-              <a:p>
-                <a:pPr/>
-                <a14:m>
-                  <m:oMathPara xmlns:m="http://schemas.openxmlformats.org/officeDocument/2006/math">
-                    <m:oMathParaPr>
-                      <m:jc m:val="centerGroup"/>
-                    </m:oMathParaPr>
-                    <m:oMath xmlns:m="http://schemas.openxmlformats.org/officeDocument/2006/math">
-                      <m:r>
-                        <a:rPr lang="en-US" b="0" i="1" smtClean="0">
-                          <a:latin typeface="Cambria Math" panose="02040503050406030204" pitchFamily="18" charset="0"/>
-                        </a:rPr>
-                        <m:t>𝑃</m:t>
-                      </m:r>
-                      <m:d>
-                        <m:dPr>
-                          <m:ctrlPr>
-                            <a:rPr lang="en-US" b="0" i="1" smtClean="0">
-                              <a:latin typeface="Cambria Math" panose="02040503050406030204" pitchFamily="18" charset="0"/>
-                            </a:rPr>
-                          </m:ctrlPr>
-                        </m:dPr>
-                        <m:e>
-                          <m:r>
-                            <a:rPr lang="en-US" b="0" i="1" smtClean="0">
-                              <a:latin typeface="Cambria Math" panose="02040503050406030204" pitchFamily="18" charset="0"/>
-                            </a:rPr>
-                            <m:t>−1.3&lt;</m:t>
-                          </m:r>
-                          <m:r>
-                            <a:rPr lang="en-US" b="0" i="1" smtClean="0">
-                              <a:latin typeface="Cambria Math" panose="02040503050406030204" pitchFamily="18" charset="0"/>
-                            </a:rPr>
-                            <m:t>𝑋</m:t>
-                          </m:r>
-                          <m:r>
-                            <a:rPr lang="en-US" b="0" i="1" smtClean="0">
-                              <a:latin typeface="Cambria Math" panose="02040503050406030204" pitchFamily="18" charset="0"/>
-                            </a:rPr>
-                            <m:t>&lt;1.8</m:t>
-                          </m:r>
-                        </m:e>
-                      </m:d>
-                      <m:r>
-                        <a:rPr lang="en-US" b="0" i="1" smtClean="0">
-                          <a:latin typeface="Cambria Math" panose="02040503050406030204" pitchFamily="18" charset="0"/>
-                        </a:rPr>
-                        <m:t>?</m:t>
-                      </m:r>
-                    </m:oMath>
-                  </m:oMathPara>
-                </a14:m>
-                <a:endParaRPr lang="en-US" dirty="0"/>
-              </a:p>
-            </p:txBody>
-          </p:sp>
-        </mc:Choice>
-        <mc:Fallback xmlns="">
-          <p:sp>
-            <p:nvSpPr>
-              <p:cNvPr id="6" name="TextBox 5">
-                <a:extLst>
-                  <a:ext uri="{FF2B5EF4-FFF2-40B4-BE49-F238E27FC236}">
-                    <a16:creationId xmlns:a16="http://schemas.microsoft.com/office/drawing/2014/main" id="{F84198F8-374C-85CA-2C5F-407DF162F2C5}"/>
-                  </a:ext>
-                </a:extLst>
-              </p:cNvPr>
-              <p:cNvSpPr txBox="1">
-                <a:spLocks noRot="1" noChangeAspect="1" noMove="1" noResize="1" noEditPoints="1" noAdjustHandles="1" noChangeArrowheads="1" noChangeShapeType="1" noTextEdit="1"/>
-              </p:cNvSpPr>
-              <p:nvPr/>
-            </p:nvSpPr>
-            <p:spPr>
-              <a:xfrm>
-                <a:off x="8154882" y="147503"/>
-                <a:ext cx="2233092" cy="369332"/>
-              </a:xfrm>
-              <a:prstGeom prst="rect">
-                <a:avLst/>
-              </a:prstGeom>
-              <a:blipFill>
-                <a:blip r:embed="rId6"/>
-                <a:stretch>
-                  <a:fillRect/>
-                </a:stretch>
-              </a:blipFill>
-            </p:spPr>
-            <p:txBody>
-              <a:bodyPr/>
-              <a:lstStyle/>
-              <a:p>
-                <a:r>
-                  <a:rPr lang="en-US">
-                    <a:noFill/>
-                  </a:rPr>
-                  <a:t> </a:t>
-                </a:r>
-              </a:p>
-            </p:txBody>
-          </p:sp>
-        </mc:Fallback>
-      </mc:AlternateContent>
-      <mc:AlternateContent xmlns:mc="http://schemas.openxmlformats.org/markup-compatibility/2006" xmlns:a14="http://schemas.microsoft.com/office/drawing/2010/main">
-        <mc:Choice Requires="a14">
-          <p:sp>
-            <p:nvSpPr>
-              <p:cNvPr id="13" name="TextBox 12">
-                <a:extLst>
-                  <a:ext uri="{FF2B5EF4-FFF2-40B4-BE49-F238E27FC236}">
-                    <a16:creationId xmlns:a16="http://schemas.microsoft.com/office/drawing/2014/main" id="{7BF0BF21-C48C-4BF7-F50C-5077258C2FA1}"/>
-                  </a:ext>
-                </a:extLst>
-              </p:cNvPr>
-              <p:cNvSpPr txBox="1"/>
-              <p:nvPr/>
-            </p:nvSpPr>
-            <p:spPr>
-              <a:xfrm>
-                <a:off x="6329054" y="4480535"/>
-                <a:ext cx="1752764" cy="369332"/>
-              </a:xfrm>
-              <a:prstGeom prst="rect">
-                <a:avLst/>
-              </a:prstGeom>
-              <a:noFill/>
-            </p:spPr>
-            <p:txBody>
-              <a:bodyPr wrap="square" rtlCol="0">
-                <a:spAutoFit/>
-              </a:bodyPr>
-              <a:lstStyle/>
-              <a:p>
-                <a:pPr/>
-                <a14:m>
-                  <m:oMathPara xmlns:m="http://schemas.openxmlformats.org/officeDocument/2006/math">
-                    <m:oMathParaPr>
-                      <m:jc m:val="centerGroup"/>
-                    </m:oMathParaPr>
-                    <m:oMath xmlns:m="http://schemas.openxmlformats.org/officeDocument/2006/math">
-                      <m:r>
-                        <a:rPr lang="en-US" b="0" i="1" smtClean="0">
-                          <a:latin typeface="Cambria Math" panose="02040503050406030204" pitchFamily="18" charset="0"/>
-                        </a:rPr>
-                        <m:t>𝑃</m:t>
-                      </m:r>
-                      <m:r>
-                        <a:rPr lang="en-US" b="0" i="1" smtClean="0">
-                          <a:latin typeface="Cambria Math" panose="02040503050406030204" pitchFamily="18" charset="0"/>
-                        </a:rPr>
-                        <m:t>(</m:t>
-                      </m:r>
-                      <m:r>
-                        <a:rPr lang="en-US" b="0" i="1" smtClean="0">
-                          <a:latin typeface="Cambria Math" panose="02040503050406030204" pitchFamily="18" charset="0"/>
-                        </a:rPr>
-                        <m:t>𝑋</m:t>
-                      </m:r>
-                      <m:r>
-                        <a:rPr lang="en-US" b="0" i="1" smtClean="0">
-                          <a:latin typeface="Cambria Math" panose="02040503050406030204" pitchFamily="18" charset="0"/>
-                        </a:rPr>
-                        <m:t>&lt;−1.3)</m:t>
-                      </m:r>
-                    </m:oMath>
-                  </m:oMathPara>
-                </a14:m>
-                <a:endParaRPr lang="en-US" dirty="0"/>
-              </a:p>
-            </p:txBody>
-          </p:sp>
-        </mc:Choice>
-        <mc:Fallback xmlns="">
-          <p:sp>
-            <p:nvSpPr>
-              <p:cNvPr id="13" name="TextBox 12">
-                <a:extLst>
-                  <a:ext uri="{FF2B5EF4-FFF2-40B4-BE49-F238E27FC236}">
-                    <a16:creationId xmlns:a16="http://schemas.microsoft.com/office/drawing/2014/main" id="{7BF0BF21-C48C-4BF7-F50C-5077258C2FA1}"/>
-                  </a:ext>
-                </a:extLst>
-              </p:cNvPr>
-              <p:cNvSpPr txBox="1">
-                <a:spLocks noRot="1" noChangeAspect="1" noMove="1" noResize="1" noEditPoints="1" noAdjustHandles="1" noChangeArrowheads="1" noChangeShapeType="1" noTextEdit="1"/>
-              </p:cNvSpPr>
-              <p:nvPr/>
-            </p:nvSpPr>
-            <p:spPr>
-              <a:xfrm>
-                <a:off x="6329054" y="4480535"/>
-                <a:ext cx="1752764" cy="369332"/>
-              </a:xfrm>
-              <a:prstGeom prst="rect">
-                <a:avLst/>
-              </a:prstGeom>
-              <a:blipFill>
-                <a:blip r:embed="rId7"/>
-                <a:stretch>
-                  <a:fillRect b="-11475"/>
-                </a:stretch>
-              </a:blipFill>
-            </p:spPr>
-            <p:txBody>
-              <a:bodyPr/>
-              <a:lstStyle/>
-              <a:p>
-                <a:r>
-                  <a:rPr lang="en-US">
-                    <a:noFill/>
-                  </a:rPr>
-                  <a:t> </a:t>
-                </a:r>
-              </a:p>
-            </p:txBody>
-          </p:sp>
-        </mc:Fallback>
-      </mc:AlternateContent>
-    </p:spTree>
-    <p:extLst>
-      <p:ext uri="{BB962C8B-B14F-4D97-AF65-F5344CB8AC3E}">
-        <p14:creationId xmlns:p14="http://schemas.microsoft.com/office/powerpoint/2010/main" val="3461061581"/>
-      </p:ext>
-    </p:extLst>
-  </p:cSld>
-  <p:clrMapOvr>
-    <a:masterClrMapping/>
-  </p:clrMapOvr>
-</p:sld>
-</file>
-
-<file path=ppt/slides/slide6.xml><?xml version="1.0" encoding="utf-8"?>
 <p:sld xmlns:a="http://schemas.openxmlformats.org/drawingml/2006/main" xmlns:r="http://schemas.openxmlformats.org/officeDocument/2006/relationships" xmlns:p="http://schemas.openxmlformats.org/presentationml/2006/main">
   <p:cSld>
     <p:spTree>
@@ -10507,6 +9346,1167 @@
 </p:sld>
 </file>
 
+<file path=ppt/slides/slide6.xml><?xml version="1.0" encoding="utf-8"?>
+<p:sld xmlns:a="http://schemas.openxmlformats.org/drawingml/2006/main" xmlns:r="http://schemas.openxmlformats.org/officeDocument/2006/relationships" xmlns:p="http://schemas.openxmlformats.org/presentationml/2006/main">
+  <p:cSld>
+    <p:spTree>
+      <p:nvGrpSpPr>
+        <p:cNvPr id="1" name=""/>
+        <p:cNvGrpSpPr/>
+        <p:nvPr/>
+      </p:nvGrpSpPr>
+      <p:grpSpPr>
+        <a:xfrm>
+          <a:off x="0" y="0"/>
+          <a:ext cx="0" cy="0"/>
+          <a:chOff x="0" y="0"/>
+          <a:chExt cx="0" cy="0"/>
+        </a:xfrm>
+      </p:grpSpPr>
+      <p:grpSp>
+        <p:nvGrpSpPr>
+          <p:cNvPr id="18" name="Group 17">
+            <a:extLst>
+              <a:ext uri="{FF2B5EF4-FFF2-40B4-BE49-F238E27FC236}">
+                <a16:creationId xmlns:a16="http://schemas.microsoft.com/office/drawing/2014/main" id="{D89B1A6F-DD70-9A27-6E7C-68EC9A3E8225}"/>
+              </a:ext>
+            </a:extLst>
+          </p:cNvPr>
+          <p:cNvGrpSpPr/>
+          <p:nvPr/>
+        </p:nvGrpSpPr>
+        <p:grpSpPr>
+          <a:xfrm>
+            <a:off x="6571092" y="702394"/>
+            <a:ext cx="5370569" cy="6008103"/>
+            <a:chOff x="6618226" y="157170"/>
+            <a:chExt cx="5370569" cy="6008103"/>
+          </a:xfrm>
+        </p:grpSpPr>
+        <p:pic>
+          <p:nvPicPr>
+            <p:cNvPr id="17" name="Picture 16">
+              <a:extLst>
+                <a:ext uri="{FF2B5EF4-FFF2-40B4-BE49-F238E27FC236}">
+                  <a16:creationId xmlns:a16="http://schemas.microsoft.com/office/drawing/2014/main" id="{A4339878-92DE-62D6-B226-AE260AAEE16E}"/>
+                </a:ext>
+              </a:extLst>
+            </p:cNvPr>
+            <p:cNvPicPr>
+              <a:picLocks noChangeAspect="1"/>
+            </p:cNvPicPr>
+            <p:nvPr/>
+          </p:nvPicPr>
+          <p:blipFill>
+            <a:blip r:embed="rId2"/>
+            <a:stretch>
+              <a:fillRect/>
+            </a:stretch>
+          </p:blipFill>
+          <p:spPr>
+            <a:xfrm>
+              <a:off x="6618226" y="3136810"/>
+              <a:ext cx="5370569" cy="3028463"/>
+            </a:xfrm>
+            <a:prstGeom prst="rect">
+              <a:avLst/>
+            </a:prstGeom>
+          </p:spPr>
+        </p:pic>
+        <p:pic>
+          <p:nvPicPr>
+            <p:cNvPr id="15" name="Picture 14">
+              <a:extLst>
+                <a:ext uri="{FF2B5EF4-FFF2-40B4-BE49-F238E27FC236}">
+                  <a16:creationId xmlns:a16="http://schemas.microsoft.com/office/drawing/2014/main" id="{05560237-F6BD-6D28-363F-9273FC79461E}"/>
+                </a:ext>
+              </a:extLst>
+            </p:cNvPr>
+            <p:cNvPicPr>
+              <a:picLocks noChangeAspect="1"/>
+            </p:cNvPicPr>
+            <p:nvPr/>
+          </p:nvPicPr>
+          <p:blipFill>
+            <a:blip r:embed="rId3"/>
+            <a:stretch>
+              <a:fillRect/>
+            </a:stretch>
+          </p:blipFill>
+          <p:spPr>
+            <a:xfrm>
+              <a:off x="6618226" y="157170"/>
+              <a:ext cx="5370569" cy="3027561"/>
+            </a:xfrm>
+            <a:prstGeom prst="rect">
+              <a:avLst/>
+            </a:prstGeom>
+          </p:spPr>
+        </p:pic>
+        <p:cxnSp>
+          <p:nvCxnSpPr>
+            <p:cNvPr id="10" name="Straight Connector 9">
+              <a:extLst>
+                <a:ext uri="{FF2B5EF4-FFF2-40B4-BE49-F238E27FC236}">
+                  <a16:creationId xmlns:a16="http://schemas.microsoft.com/office/drawing/2014/main" id="{23E0395F-E355-DAD0-2939-30BAC8106106}"/>
+                </a:ext>
+              </a:extLst>
+            </p:cNvPr>
+            <p:cNvCxnSpPr>
+              <a:cxnSpLocks/>
+            </p:cNvCxnSpPr>
+            <p:nvPr/>
+          </p:nvCxnSpPr>
+          <p:spPr>
+            <a:xfrm flipV="1">
+              <a:off x="8327201" y="332169"/>
+              <a:ext cx="0" cy="5578764"/>
+            </a:xfrm>
+            <a:prstGeom prst="line">
+              <a:avLst/>
+            </a:prstGeom>
+            <a:ln w="38100">
+              <a:solidFill>
+                <a:schemeClr val="tx1"/>
+              </a:solidFill>
+              <a:prstDash val="sysDash"/>
+            </a:ln>
+          </p:spPr>
+          <p:style>
+            <a:lnRef idx="1">
+              <a:schemeClr val="accent1"/>
+            </a:lnRef>
+            <a:fillRef idx="0">
+              <a:schemeClr val="accent1"/>
+            </a:fillRef>
+            <a:effectRef idx="0">
+              <a:schemeClr val="accent1"/>
+            </a:effectRef>
+            <a:fontRef idx="minor">
+              <a:schemeClr val="tx1"/>
+            </a:fontRef>
+          </p:style>
+        </p:cxnSp>
+        <p:cxnSp>
+          <p:nvCxnSpPr>
+            <p:cNvPr id="11" name="Straight Connector 10">
+              <a:extLst>
+                <a:ext uri="{FF2B5EF4-FFF2-40B4-BE49-F238E27FC236}">
+                  <a16:creationId xmlns:a16="http://schemas.microsoft.com/office/drawing/2014/main" id="{8DE64BAF-6C20-AA02-27C2-3D4056EC655A}"/>
+                </a:ext>
+              </a:extLst>
+            </p:cNvPr>
+            <p:cNvCxnSpPr>
+              <a:cxnSpLocks/>
+            </p:cNvCxnSpPr>
+            <p:nvPr/>
+          </p:nvCxnSpPr>
+          <p:spPr>
+            <a:xfrm flipV="1">
+              <a:off x="10668429" y="332169"/>
+              <a:ext cx="0" cy="5578764"/>
+            </a:xfrm>
+            <a:prstGeom prst="line">
+              <a:avLst/>
+            </a:prstGeom>
+            <a:ln w="38100">
+              <a:solidFill>
+                <a:schemeClr val="tx1"/>
+              </a:solidFill>
+              <a:prstDash val="sysDash"/>
+            </a:ln>
+          </p:spPr>
+          <p:style>
+            <a:lnRef idx="1">
+              <a:schemeClr val="accent1"/>
+            </a:lnRef>
+            <a:fillRef idx="0">
+              <a:schemeClr val="accent1"/>
+            </a:fillRef>
+            <a:effectRef idx="0">
+              <a:schemeClr val="accent1"/>
+            </a:effectRef>
+            <a:fontRef idx="minor">
+              <a:schemeClr val="tx1"/>
+            </a:fontRef>
+          </p:style>
+        </p:cxnSp>
+      </p:grpSp>
+      <p:sp>
+        <p:nvSpPr>
+          <p:cNvPr id="2" name="Title 1">
+            <a:extLst>
+              <a:ext uri="{FF2B5EF4-FFF2-40B4-BE49-F238E27FC236}">
+                <a16:creationId xmlns:a16="http://schemas.microsoft.com/office/drawing/2014/main" id="{56204002-685A-1A07-FAE0-91D90C0D530A}"/>
+              </a:ext>
+            </a:extLst>
+          </p:cNvPr>
+          <p:cNvSpPr>
+            <a:spLocks noGrp="1"/>
+          </p:cNvSpPr>
+          <p:nvPr>
+            <p:ph type="title"/>
+          </p:nvPr>
+        </p:nvSpPr>
+        <p:spPr>
+          <a:xfrm>
+            <a:off x="99391" y="365125"/>
+            <a:ext cx="5883965" cy="1325563"/>
+          </a:xfrm>
+        </p:spPr>
+        <p:txBody>
+          <a:bodyPr>
+            <a:noAutofit/>
+          </a:bodyPr>
+          <a:lstStyle/>
+          <a:p>
+            <a:r>
+              <a:rPr lang="en-US" sz="2800" dirty="0"/>
+              <a:t>Tips For Finding Probabilities From Continuous Distributions</a:t>
+            </a:r>
+          </a:p>
+        </p:txBody>
+      </p:sp>
+      <mc:AlternateContent xmlns:mc="http://schemas.openxmlformats.org/markup-compatibility/2006" xmlns:a14="http://schemas.microsoft.com/office/drawing/2010/main">
+        <mc:Choice Requires="a14">
+          <p:sp>
+            <p:nvSpPr>
+              <p:cNvPr id="3" name="Content Placeholder 2">
+                <a:extLst>
+                  <a:ext uri="{FF2B5EF4-FFF2-40B4-BE49-F238E27FC236}">
+                    <a16:creationId xmlns:a16="http://schemas.microsoft.com/office/drawing/2014/main" id="{958916F8-3273-B8FD-6E56-024E55DD4FA2}"/>
+                  </a:ext>
+                </a:extLst>
+              </p:cNvPr>
+              <p:cNvSpPr>
+                <a:spLocks noGrp="1"/>
+              </p:cNvSpPr>
+              <p:nvPr>
+                <p:ph idx="1"/>
+              </p:nvPr>
+            </p:nvSpPr>
+            <p:spPr>
+              <a:xfrm>
+                <a:off x="213362" y="2141537"/>
+                <a:ext cx="6357730" cy="4351338"/>
+              </a:xfrm>
+            </p:spPr>
+            <p:txBody>
+              <a:bodyPr>
+                <a:normAutofit fontScale="62500" lnSpcReduction="20000"/>
+              </a:bodyPr>
+              <a:lstStyle/>
+              <a:p>
+                <a:pPr marL="0" indent="0">
+                  <a:buNone/>
+                </a:pPr>
+                <a:r>
+                  <a:rPr lang="en-US" dirty="0"/>
+                  <a:t>- Tips for finding probabilities from continuous distributions</a:t>
+                </a:r>
+              </a:p>
+              <a:p>
+                <a:pPr marL="0" indent="0">
+                  <a:buNone/>
+                </a:pPr>
+                <a:r>
+                  <a:rPr lang="en-US" dirty="0"/>
+                  <a:t>- As we point out before, for a continuous distribution </a:t>
+                </a:r>
+                <a14:m>
+                  <m:oMath xmlns:m="http://schemas.openxmlformats.org/officeDocument/2006/math">
+                    <m:r>
+                      <a:rPr lang="en-US" b="0" i="1" smtClean="0">
+                        <a:latin typeface="Cambria Math" panose="02040503050406030204" pitchFamily="18" charset="0"/>
+                      </a:rPr>
+                      <m:t>𝑃</m:t>
+                    </m:r>
+                    <m:d>
+                      <m:dPr>
+                        <m:ctrlPr>
+                          <a:rPr lang="en-US" b="0" i="1" smtClean="0">
+                            <a:latin typeface="Cambria Math" panose="02040503050406030204" pitchFamily="18" charset="0"/>
+                          </a:rPr>
+                        </m:ctrlPr>
+                      </m:dPr>
+                      <m:e>
+                        <m:r>
+                          <a:rPr lang="en-US" b="0" i="1" smtClean="0">
+                            <a:latin typeface="Cambria Math" panose="02040503050406030204" pitchFamily="18" charset="0"/>
+                          </a:rPr>
+                          <m:t>𝑋</m:t>
+                        </m:r>
+                        <m:r>
+                          <a:rPr lang="en-US" b="0" i="1" smtClean="0">
+                            <a:latin typeface="Cambria Math" panose="02040503050406030204" pitchFamily="18" charset="0"/>
+                          </a:rPr>
+                          <m:t>=</m:t>
+                        </m:r>
+                        <m:r>
+                          <a:rPr lang="en-US" b="0" i="1" smtClean="0">
+                            <a:latin typeface="Cambria Math" panose="02040503050406030204" pitchFamily="18" charset="0"/>
+                          </a:rPr>
+                          <m:t>𝑥</m:t>
+                        </m:r>
+                      </m:e>
+                    </m:d>
+                    <m:r>
+                      <a:rPr lang="en-US" b="0" i="1" smtClean="0">
+                        <a:latin typeface="Cambria Math" panose="02040503050406030204" pitchFamily="18" charset="0"/>
+                      </a:rPr>
+                      <m:t>=0</m:t>
+                    </m:r>
+                  </m:oMath>
+                </a14:m>
+                <a:endParaRPr lang="en-US" dirty="0"/>
+              </a:p>
+              <a:p>
+                <a:pPr marL="0" indent="0">
+                  <a:buNone/>
+                </a:pPr>
+                <a:endParaRPr lang="en-US" dirty="0"/>
+              </a:p>
+              <a:p>
+                <a:pPr marL="0" indent="0">
+                  <a:buNone/>
+                </a:pPr>
+                <a:r>
+                  <a:rPr lang="en-US" dirty="0"/>
+                  <a:t>- So we typically deal with finding probabilities of </a:t>
+                </a:r>
+                <a14:m>
+                  <m:oMath xmlns:m="http://schemas.openxmlformats.org/officeDocument/2006/math">
+                    <m:r>
+                      <a:rPr lang="en-US" b="0" i="1" smtClean="0">
+                        <a:latin typeface="Cambria Math" panose="02040503050406030204" pitchFamily="18" charset="0"/>
+                      </a:rPr>
+                      <m:t>𝑋</m:t>
+                    </m:r>
+                  </m:oMath>
+                </a14:m>
+                <a:r>
+                  <a:rPr lang="en-US" dirty="0"/>
+                  <a:t> falling in some interval </a:t>
+                </a:r>
+              </a:p>
+              <a:p>
+                <a:pPr marL="457200" lvl="1" indent="0">
+                  <a:buNone/>
+                </a:pPr>
+                <a:r>
+                  <a:rPr lang="en-US" dirty="0" err="1"/>
+                  <a:t>e.g</a:t>
+                </a:r>
+                <a:r>
+                  <a:rPr lang="en-US" dirty="0"/>
+                  <a:t> </a:t>
+                </a:r>
+                <a14:m>
+                  <m:oMath xmlns:m="http://schemas.openxmlformats.org/officeDocument/2006/math">
+                    <m:r>
+                      <a:rPr lang="en-US" b="0" i="1" smtClean="0">
+                        <a:latin typeface="Cambria Math" panose="02040503050406030204" pitchFamily="18" charset="0"/>
+                      </a:rPr>
+                      <m:t>𝑃</m:t>
+                    </m:r>
+                    <m:d>
+                      <m:dPr>
+                        <m:ctrlPr>
+                          <a:rPr lang="en-US" b="0" i="1" smtClean="0">
+                            <a:latin typeface="Cambria Math" panose="02040503050406030204" pitchFamily="18" charset="0"/>
+                          </a:rPr>
+                        </m:ctrlPr>
+                      </m:dPr>
+                      <m:e>
+                        <m:r>
+                          <a:rPr lang="en-US" b="0" i="1" smtClean="0">
+                            <a:latin typeface="Cambria Math" panose="02040503050406030204" pitchFamily="18" charset="0"/>
+                          </a:rPr>
+                          <m:t>𝑋</m:t>
+                        </m:r>
+                        <m:r>
+                          <a:rPr lang="en-US" b="0" i="1" smtClean="0">
+                            <a:latin typeface="Cambria Math" panose="02040503050406030204" pitchFamily="18" charset="0"/>
+                          </a:rPr>
+                          <m:t>&lt;</m:t>
+                        </m:r>
+                        <m:r>
+                          <a:rPr lang="en-US" b="0" i="1" smtClean="0">
+                            <a:latin typeface="Cambria Math" panose="02040503050406030204" pitchFamily="18" charset="0"/>
+                          </a:rPr>
+                          <m:t>𝑥</m:t>
+                        </m:r>
+                      </m:e>
+                    </m:d>
+                  </m:oMath>
+                </a14:m>
+                <a:r>
+                  <a:rPr lang="en-US" dirty="0"/>
+                  <a:t>, </a:t>
+                </a:r>
+                <a14:m>
+                  <m:oMath xmlns:m="http://schemas.openxmlformats.org/officeDocument/2006/math">
+                    <m:r>
+                      <a:rPr lang="en-US" b="0" i="1" smtClean="0">
+                        <a:latin typeface="Cambria Math" panose="02040503050406030204" pitchFamily="18" charset="0"/>
+                      </a:rPr>
+                      <m:t>𝑃</m:t>
+                    </m:r>
+                    <m:d>
+                      <m:dPr>
+                        <m:ctrlPr>
+                          <a:rPr lang="en-US" b="0" i="1" smtClean="0">
+                            <a:latin typeface="Cambria Math" panose="02040503050406030204" pitchFamily="18" charset="0"/>
+                          </a:rPr>
+                        </m:ctrlPr>
+                      </m:dPr>
+                      <m:e>
+                        <m:r>
+                          <a:rPr lang="en-US" b="0" i="1" smtClean="0">
+                            <a:latin typeface="Cambria Math" panose="02040503050406030204" pitchFamily="18" charset="0"/>
+                          </a:rPr>
+                          <m:t>𝑋</m:t>
+                        </m:r>
+                        <m:r>
+                          <a:rPr lang="en-US" b="0" i="1" smtClean="0">
+                            <a:latin typeface="Cambria Math" panose="02040503050406030204" pitchFamily="18" charset="0"/>
+                          </a:rPr>
+                          <m:t>&gt;</m:t>
+                        </m:r>
+                        <m:r>
+                          <a:rPr lang="en-US" b="0" i="1" smtClean="0">
+                            <a:latin typeface="Cambria Math" panose="02040503050406030204" pitchFamily="18" charset="0"/>
+                          </a:rPr>
+                          <m:t>𝑥</m:t>
+                        </m:r>
+                      </m:e>
+                    </m:d>
+                    <m:r>
+                      <a:rPr lang="en-US" b="0" i="1" smtClean="0">
+                        <a:latin typeface="Cambria Math" panose="02040503050406030204" pitchFamily="18" charset="0"/>
+                      </a:rPr>
+                      <m:t>, </m:t>
+                    </m:r>
+                  </m:oMath>
+                </a14:m>
+                <a:r>
+                  <a:rPr lang="en-US" dirty="0"/>
+                  <a:t>or </a:t>
+                </a:r>
+                <a14:m>
+                  <m:oMath xmlns:m="http://schemas.openxmlformats.org/officeDocument/2006/math">
+                    <m:r>
+                      <a:rPr lang="en-US" b="0" i="1" smtClean="0">
+                        <a:latin typeface="Cambria Math" panose="02040503050406030204" pitchFamily="18" charset="0"/>
+                      </a:rPr>
+                      <m:t>𝑃</m:t>
+                    </m:r>
+                    <m:r>
+                      <a:rPr lang="en-US" b="0" i="1" smtClean="0">
+                        <a:latin typeface="Cambria Math" panose="02040503050406030204" pitchFamily="18" charset="0"/>
+                      </a:rPr>
+                      <m:t>(</m:t>
+                    </m:r>
+                    <m:r>
+                      <a:rPr lang="en-US" b="0" i="1" smtClean="0">
+                        <a:latin typeface="Cambria Math" panose="02040503050406030204" pitchFamily="18" charset="0"/>
+                      </a:rPr>
+                      <m:t>𝑎</m:t>
+                    </m:r>
+                    <m:r>
+                      <a:rPr lang="en-US" b="0" i="1" smtClean="0">
+                        <a:latin typeface="Cambria Math" panose="02040503050406030204" pitchFamily="18" charset="0"/>
+                      </a:rPr>
+                      <m:t>&lt;</m:t>
+                    </m:r>
+                    <m:r>
+                      <a:rPr lang="en-US" b="0" i="1" smtClean="0">
+                        <a:latin typeface="Cambria Math" panose="02040503050406030204" pitchFamily="18" charset="0"/>
+                      </a:rPr>
+                      <m:t>𝑋</m:t>
+                    </m:r>
+                    <m:r>
+                      <a:rPr lang="en-US" b="0" i="1" smtClean="0">
+                        <a:latin typeface="Cambria Math" panose="02040503050406030204" pitchFamily="18" charset="0"/>
+                      </a:rPr>
+                      <m:t>&lt;</m:t>
+                    </m:r>
+                    <m:r>
+                      <a:rPr lang="en-US" b="0" i="1" smtClean="0">
+                        <a:latin typeface="Cambria Math" panose="02040503050406030204" pitchFamily="18" charset="0"/>
+                      </a:rPr>
+                      <m:t>𝑏</m:t>
+                    </m:r>
+                    <m:r>
+                      <a:rPr lang="en-US" b="0" i="1" smtClean="0">
+                        <a:latin typeface="Cambria Math" panose="02040503050406030204" pitchFamily="18" charset="0"/>
+                      </a:rPr>
+                      <m:t>)</m:t>
+                    </m:r>
+                  </m:oMath>
+                </a14:m>
+                <a:endParaRPr lang="en-US" dirty="0"/>
+              </a:p>
+              <a:p>
+                <a:endParaRPr lang="en-US" dirty="0"/>
+              </a:p>
+              <a:p>
+                <a:pPr marL="0" indent="0">
+                  <a:buNone/>
+                </a:pPr>
+                <a:r>
+                  <a:rPr lang="en-US" dirty="0"/>
+                  <a:t>Since most probability tables and software compute the probabilities using the cumulative distribution function we can use the following rules:</a:t>
+                </a:r>
+              </a:p>
+              <a:p>
+                <a:endParaRPr lang="en-US" dirty="0"/>
+              </a:p>
+              <a:p>
+                <a14:m>
+                  <m:oMath xmlns:m="http://schemas.openxmlformats.org/officeDocument/2006/math">
+                    <m:r>
+                      <a:rPr lang="en-US" b="0" i="1" smtClean="0">
+                        <a:latin typeface="Cambria Math" panose="02040503050406030204" pitchFamily="18" charset="0"/>
+                      </a:rPr>
+                      <m:t>𝑃</m:t>
+                    </m:r>
+                    <m:d>
+                      <m:dPr>
+                        <m:ctrlPr>
+                          <a:rPr lang="en-US" b="0" i="1" smtClean="0">
+                            <a:latin typeface="Cambria Math" panose="02040503050406030204" pitchFamily="18" charset="0"/>
+                          </a:rPr>
+                        </m:ctrlPr>
+                      </m:dPr>
+                      <m:e>
+                        <m:r>
+                          <a:rPr lang="en-US" b="0" i="1" smtClean="0">
+                            <a:latin typeface="Cambria Math" panose="02040503050406030204" pitchFamily="18" charset="0"/>
+                          </a:rPr>
+                          <m:t>𝑋</m:t>
+                        </m:r>
+                        <m:r>
+                          <a:rPr lang="en-US" b="0" i="1" smtClean="0">
+                            <a:latin typeface="Cambria Math" panose="02040503050406030204" pitchFamily="18" charset="0"/>
+                          </a:rPr>
+                          <m:t>&gt;</m:t>
+                        </m:r>
+                        <m:r>
+                          <a:rPr lang="en-US" b="0" i="1" smtClean="0">
+                            <a:latin typeface="Cambria Math" panose="02040503050406030204" pitchFamily="18" charset="0"/>
+                          </a:rPr>
+                          <m:t>𝑥</m:t>
+                        </m:r>
+                      </m:e>
+                    </m:d>
+                    <m:r>
+                      <a:rPr lang="en-US" b="0" i="1" smtClean="0">
+                        <a:latin typeface="Cambria Math" panose="02040503050406030204" pitchFamily="18" charset="0"/>
+                      </a:rPr>
+                      <m:t>=1−</m:t>
+                    </m:r>
+                    <m:r>
+                      <a:rPr lang="en-US" b="0" i="1" smtClean="0">
+                        <a:latin typeface="Cambria Math" panose="02040503050406030204" pitchFamily="18" charset="0"/>
+                      </a:rPr>
+                      <m:t>𝑃</m:t>
+                    </m:r>
+                    <m:d>
+                      <m:dPr>
+                        <m:ctrlPr>
+                          <a:rPr lang="en-US" b="0" i="1" smtClean="0">
+                            <a:latin typeface="Cambria Math" panose="02040503050406030204" pitchFamily="18" charset="0"/>
+                          </a:rPr>
+                        </m:ctrlPr>
+                      </m:dPr>
+                      <m:e>
+                        <m:r>
+                          <a:rPr lang="en-US" b="0" i="1" smtClean="0">
+                            <a:latin typeface="Cambria Math" panose="02040503050406030204" pitchFamily="18" charset="0"/>
+                          </a:rPr>
+                          <m:t>𝑋</m:t>
+                        </m:r>
+                        <m:r>
+                          <a:rPr lang="en-US" b="0" i="1" smtClean="0">
+                            <a:latin typeface="Cambria Math" panose="02040503050406030204" pitchFamily="18" charset="0"/>
+                          </a:rPr>
+                          <m:t>≤</m:t>
+                        </m:r>
+                        <m:r>
+                          <a:rPr lang="en-US" b="0" i="1" smtClean="0">
+                            <a:latin typeface="Cambria Math" panose="02040503050406030204" pitchFamily="18" charset="0"/>
+                          </a:rPr>
+                          <m:t>𝑥</m:t>
+                        </m:r>
+                      </m:e>
+                    </m:d>
+                  </m:oMath>
+                </a14:m>
+                <a:endParaRPr lang="en-US" b="0" dirty="0"/>
+              </a:p>
+              <a:p>
+                <a:endParaRPr lang="en-US" dirty="0"/>
+              </a:p>
+              <a:p>
+                <a14:m>
+                  <m:oMath xmlns:m="http://schemas.openxmlformats.org/officeDocument/2006/math">
+                    <m:r>
+                      <a:rPr lang="en-US" b="0" i="1" smtClean="0">
+                        <a:latin typeface="Cambria Math" panose="02040503050406030204" pitchFamily="18" charset="0"/>
+                      </a:rPr>
+                      <m:t>𝑃</m:t>
+                    </m:r>
+                    <m:d>
+                      <m:dPr>
+                        <m:ctrlPr>
+                          <a:rPr lang="en-US" b="0" i="1" smtClean="0">
+                            <a:latin typeface="Cambria Math" panose="02040503050406030204" pitchFamily="18" charset="0"/>
+                          </a:rPr>
+                        </m:ctrlPr>
+                      </m:dPr>
+                      <m:e>
+                        <m:r>
+                          <a:rPr lang="en-US" b="0" i="1" smtClean="0">
+                            <a:latin typeface="Cambria Math" panose="02040503050406030204" pitchFamily="18" charset="0"/>
+                          </a:rPr>
+                          <m:t>𝑎</m:t>
+                        </m:r>
+                        <m:r>
+                          <a:rPr lang="en-US" b="0" i="1" smtClean="0">
+                            <a:latin typeface="Cambria Math" panose="02040503050406030204" pitchFamily="18" charset="0"/>
+                          </a:rPr>
+                          <m:t>&lt;</m:t>
+                        </m:r>
+                        <m:r>
+                          <a:rPr lang="en-US" b="0" i="1" smtClean="0">
+                            <a:latin typeface="Cambria Math" panose="02040503050406030204" pitchFamily="18" charset="0"/>
+                          </a:rPr>
+                          <m:t>𝑋</m:t>
+                        </m:r>
+                        <m:r>
+                          <a:rPr lang="en-US" b="0" i="1" smtClean="0">
+                            <a:latin typeface="Cambria Math" panose="02040503050406030204" pitchFamily="18" charset="0"/>
+                          </a:rPr>
+                          <m:t>&lt;</m:t>
+                        </m:r>
+                        <m:r>
+                          <a:rPr lang="en-US" b="0" i="1" smtClean="0">
+                            <a:latin typeface="Cambria Math" panose="02040503050406030204" pitchFamily="18" charset="0"/>
+                          </a:rPr>
+                          <m:t>𝑏</m:t>
+                        </m:r>
+                      </m:e>
+                    </m:d>
+                    <m:r>
+                      <a:rPr lang="en-US" b="0" i="1" smtClean="0">
+                        <a:latin typeface="Cambria Math" panose="02040503050406030204" pitchFamily="18" charset="0"/>
+                      </a:rPr>
+                      <m:t>=</m:t>
+                    </m:r>
+                    <m:r>
+                      <a:rPr lang="en-US" b="0" i="1" smtClean="0">
+                        <a:latin typeface="Cambria Math" panose="02040503050406030204" pitchFamily="18" charset="0"/>
+                      </a:rPr>
+                      <m:t>𝑃</m:t>
+                    </m:r>
+                    <m:d>
+                      <m:dPr>
+                        <m:ctrlPr>
+                          <a:rPr lang="en-US" b="0" i="1" smtClean="0">
+                            <a:latin typeface="Cambria Math" panose="02040503050406030204" pitchFamily="18" charset="0"/>
+                          </a:rPr>
+                        </m:ctrlPr>
+                      </m:dPr>
+                      <m:e>
+                        <m:r>
+                          <a:rPr lang="en-US" b="0" i="1" smtClean="0">
+                            <a:latin typeface="Cambria Math" panose="02040503050406030204" pitchFamily="18" charset="0"/>
+                          </a:rPr>
+                          <m:t>𝑋</m:t>
+                        </m:r>
+                        <m:r>
+                          <a:rPr lang="en-US" b="0" i="0" smtClean="0">
+                            <a:latin typeface="Cambria Math" panose="02040503050406030204" pitchFamily="18" charset="0"/>
+                          </a:rPr>
+                          <m:t>&lt;</m:t>
+                        </m:r>
+                        <m:r>
+                          <m:rPr>
+                            <m:sty m:val="p"/>
+                          </m:rPr>
+                          <a:rPr lang="en-US" b="0" i="0" smtClean="0">
+                            <a:latin typeface="Cambria Math" panose="02040503050406030204" pitchFamily="18" charset="0"/>
+                          </a:rPr>
+                          <m:t>b</m:t>
+                        </m:r>
+                      </m:e>
+                    </m:d>
+                    <m:r>
+                      <a:rPr lang="en-US" b="0" i="0" smtClean="0">
+                        <a:latin typeface="Cambria Math" panose="02040503050406030204" pitchFamily="18" charset="0"/>
+                      </a:rPr>
+                      <m:t>−</m:t>
+                    </m:r>
+                    <m:r>
+                      <a:rPr lang="en-US" b="0" i="1" smtClean="0">
+                        <a:latin typeface="Cambria Math" panose="02040503050406030204" pitchFamily="18" charset="0"/>
+                      </a:rPr>
+                      <m:t>𝑃</m:t>
+                    </m:r>
+                    <m:r>
+                      <a:rPr lang="en-US" b="0" i="1" smtClean="0">
+                        <a:latin typeface="Cambria Math" panose="02040503050406030204" pitchFamily="18" charset="0"/>
+                      </a:rPr>
+                      <m:t>(</m:t>
+                    </m:r>
+                    <m:r>
+                      <a:rPr lang="en-US" b="0" i="1" smtClean="0">
+                        <a:latin typeface="Cambria Math" panose="02040503050406030204" pitchFamily="18" charset="0"/>
+                      </a:rPr>
+                      <m:t>𝑋</m:t>
+                    </m:r>
+                    <m:r>
+                      <a:rPr lang="en-US" b="0" i="1" smtClean="0">
+                        <a:latin typeface="Cambria Math" panose="02040503050406030204" pitchFamily="18" charset="0"/>
+                      </a:rPr>
+                      <m:t>&lt;</m:t>
+                    </m:r>
+                    <m:r>
+                      <a:rPr lang="en-US" b="0" i="1" smtClean="0">
+                        <a:latin typeface="Cambria Math" panose="02040503050406030204" pitchFamily="18" charset="0"/>
+                      </a:rPr>
+                      <m:t>𝑎</m:t>
+                    </m:r>
+                    <m:r>
+                      <a:rPr lang="en-US" b="0" i="1" smtClean="0">
+                        <a:latin typeface="Cambria Math" panose="02040503050406030204" pitchFamily="18" charset="0"/>
+                      </a:rPr>
+                      <m:t>)</m:t>
+                    </m:r>
+                  </m:oMath>
+                </a14:m>
+                <a:endParaRPr lang="en-US" dirty="0"/>
+              </a:p>
+            </p:txBody>
+          </p:sp>
+        </mc:Choice>
+        <mc:Fallback xmlns="">
+          <p:sp>
+            <p:nvSpPr>
+              <p:cNvPr id="3" name="Content Placeholder 2">
+                <a:extLst>
+                  <a:ext uri="{FF2B5EF4-FFF2-40B4-BE49-F238E27FC236}">
+                    <a16:creationId xmlns:a16="http://schemas.microsoft.com/office/drawing/2014/main" id="{958916F8-3273-B8FD-6E56-024E55DD4FA2}"/>
+                  </a:ext>
+                </a:extLst>
+              </p:cNvPr>
+              <p:cNvSpPr>
+                <a:spLocks noGrp="1" noRot="1" noChangeAspect="1" noMove="1" noResize="1" noEditPoints="1" noAdjustHandles="1" noChangeArrowheads="1" noChangeShapeType="1" noTextEdit="1"/>
+              </p:cNvSpPr>
+              <p:nvPr>
+                <p:ph idx="1"/>
+              </p:nvPr>
+            </p:nvSpPr>
+            <p:spPr>
+              <a:xfrm>
+                <a:off x="213362" y="2141537"/>
+                <a:ext cx="6357730" cy="4351338"/>
+              </a:xfrm>
+              <a:blipFill>
+                <a:blip r:embed="rId4"/>
+                <a:stretch>
+                  <a:fillRect l="-3260" t="-4482" r="-1342"/>
+                </a:stretch>
+              </a:blipFill>
+            </p:spPr>
+            <p:txBody>
+              <a:bodyPr/>
+              <a:lstStyle/>
+              <a:p>
+                <a:r>
+                  <a:rPr lang="en-US">
+                    <a:noFill/>
+                  </a:rPr>
+                  <a:t> </a:t>
+                </a:r>
+              </a:p>
+            </p:txBody>
+          </p:sp>
+        </mc:Fallback>
+      </mc:AlternateContent>
+      <mc:AlternateContent xmlns:mc="http://schemas.openxmlformats.org/markup-compatibility/2006" xmlns:a14="http://schemas.microsoft.com/office/drawing/2010/main">
+        <mc:Choice Requires="a14">
+          <p:sp>
+            <p:nvSpPr>
+              <p:cNvPr id="5" name="TextBox 4">
+                <a:extLst>
+                  <a:ext uri="{FF2B5EF4-FFF2-40B4-BE49-F238E27FC236}">
+                    <a16:creationId xmlns:a16="http://schemas.microsoft.com/office/drawing/2014/main" id="{1C38719F-2036-B5A5-781C-4D8AE4DC7708}"/>
+                  </a:ext>
+                </a:extLst>
+              </p:cNvPr>
+              <p:cNvSpPr txBox="1"/>
+              <p:nvPr/>
+            </p:nvSpPr>
+            <p:spPr>
+              <a:xfrm>
+                <a:off x="6329054" y="1321356"/>
+                <a:ext cx="1752764" cy="369332"/>
+              </a:xfrm>
+              <a:prstGeom prst="rect">
+                <a:avLst/>
+              </a:prstGeom>
+              <a:noFill/>
+            </p:spPr>
+            <p:txBody>
+              <a:bodyPr wrap="square" rtlCol="0">
+                <a:spAutoFit/>
+              </a:bodyPr>
+              <a:lstStyle/>
+              <a:p>
+                <a:pPr/>
+                <a14:m>
+                  <m:oMathPara xmlns:m="http://schemas.openxmlformats.org/officeDocument/2006/math">
+                    <m:oMathParaPr>
+                      <m:jc m:val="centerGroup"/>
+                    </m:oMathParaPr>
+                    <m:oMath xmlns:m="http://schemas.openxmlformats.org/officeDocument/2006/math">
+                      <m:r>
+                        <a:rPr lang="en-US" b="0" i="1" smtClean="0">
+                          <a:latin typeface="Cambria Math" panose="02040503050406030204" pitchFamily="18" charset="0"/>
+                        </a:rPr>
+                        <m:t>𝑃</m:t>
+                      </m:r>
+                      <m:r>
+                        <a:rPr lang="en-US" b="0" i="1" smtClean="0">
+                          <a:latin typeface="Cambria Math" panose="02040503050406030204" pitchFamily="18" charset="0"/>
+                        </a:rPr>
+                        <m:t>(</m:t>
+                      </m:r>
+                      <m:r>
+                        <a:rPr lang="en-US" b="0" i="1" smtClean="0">
+                          <a:latin typeface="Cambria Math" panose="02040503050406030204" pitchFamily="18" charset="0"/>
+                        </a:rPr>
+                        <m:t>𝑋</m:t>
+                      </m:r>
+                      <m:r>
+                        <a:rPr lang="en-US" b="0" i="1" smtClean="0">
+                          <a:latin typeface="Cambria Math" panose="02040503050406030204" pitchFamily="18" charset="0"/>
+                        </a:rPr>
+                        <m:t>&lt;1.8)</m:t>
+                      </m:r>
+                    </m:oMath>
+                  </m:oMathPara>
+                </a14:m>
+                <a:endParaRPr lang="en-US" dirty="0"/>
+              </a:p>
+            </p:txBody>
+          </p:sp>
+        </mc:Choice>
+        <mc:Fallback xmlns="">
+          <p:sp>
+            <p:nvSpPr>
+              <p:cNvPr id="5" name="TextBox 4">
+                <a:extLst>
+                  <a:ext uri="{FF2B5EF4-FFF2-40B4-BE49-F238E27FC236}">
+                    <a16:creationId xmlns:a16="http://schemas.microsoft.com/office/drawing/2014/main" id="{1C38719F-2036-B5A5-781C-4D8AE4DC7708}"/>
+                  </a:ext>
+                </a:extLst>
+              </p:cNvPr>
+              <p:cNvSpPr txBox="1">
+                <a:spLocks noRot="1" noChangeAspect="1" noMove="1" noResize="1" noEditPoints="1" noAdjustHandles="1" noChangeArrowheads="1" noChangeShapeType="1" noTextEdit="1"/>
+              </p:cNvSpPr>
+              <p:nvPr/>
+            </p:nvSpPr>
+            <p:spPr>
+              <a:xfrm>
+                <a:off x="6329054" y="1321356"/>
+                <a:ext cx="1752764" cy="369332"/>
+              </a:xfrm>
+              <a:prstGeom prst="rect">
+                <a:avLst/>
+              </a:prstGeom>
+              <a:blipFill>
+                <a:blip r:embed="rId5"/>
+                <a:stretch>
+                  <a:fillRect b="-13333"/>
+                </a:stretch>
+              </a:blipFill>
+            </p:spPr>
+            <p:txBody>
+              <a:bodyPr/>
+              <a:lstStyle/>
+              <a:p>
+                <a:r>
+                  <a:rPr lang="en-US">
+                    <a:noFill/>
+                  </a:rPr>
+                  <a:t> </a:t>
+                </a:r>
+              </a:p>
+            </p:txBody>
+          </p:sp>
+        </mc:Fallback>
+      </mc:AlternateContent>
+      <mc:AlternateContent xmlns:mc="http://schemas.openxmlformats.org/markup-compatibility/2006" xmlns:a14="http://schemas.microsoft.com/office/drawing/2010/main">
+        <mc:Choice Requires="a14">
+          <p:sp>
+            <p:nvSpPr>
+              <p:cNvPr id="6" name="TextBox 5">
+                <a:extLst>
+                  <a:ext uri="{FF2B5EF4-FFF2-40B4-BE49-F238E27FC236}">
+                    <a16:creationId xmlns:a16="http://schemas.microsoft.com/office/drawing/2014/main" id="{F84198F8-374C-85CA-2C5F-407DF162F2C5}"/>
+                  </a:ext>
+                </a:extLst>
+              </p:cNvPr>
+              <p:cNvSpPr txBox="1"/>
+              <p:nvPr/>
+            </p:nvSpPr>
+            <p:spPr>
+              <a:xfrm>
+                <a:off x="8154882" y="147503"/>
+                <a:ext cx="2233092" cy="369332"/>
+              </a:xfrm>
+              <a:prstGeom prst="rect">
+                <a:avLst/>
+              </a:prstGeom>
+              <a:noFill/>
+            </p:spPr>
+            <p:txBody>
+              <a:bodyPr wrap="square" rtlCol="0">
+                <a:spAutoFit/>
+              </a:bodyPr>
+              <a:lstStyle/>
+              <a:p>
+                <a:pPr/>
+                <a14:m>
+                  <m:oMathPara xmlns:m="http://schemas.openxmlformats.org/officeDocument/2006/math">
+                    <m:oMathParaPr>
+                      <m:jc m:val="centerGroup"/>
+                    </m:oMathParaPr>
+                    <m:oMath xmlns:m="http://schemas.openxmlformats.org/officeDocument/2006/math">
+                      <m:r>
+                        <a:rPr lang="en-US" b="0" i="1" smtClean="0">
+                          <a:latin typeface="Cambria Math" panose="02040503050406030204" pitchFamily="18" charset="0"/>
+                        </a:rPr>
+                        <m:t>𝑃</m:t>
+                      </m:r>
+                      <m:d>
+                        <m:dPr>
+                          <m:ctrlPr>
+                            <a:rPr lang="en-US" b="0" i="1" smtClean="0">
+                              <a:latin typeface="Cambria Math" panose="02040503050406030204" pitchFamily="18" charset="0"/>
+                            </a:rPr>
+                          </m:ctrlPr>
+                        </m:dPr>
+                        <m:e>
+                          <m:r>
+                            <a:rPr lang="en-US" b="0" i="1" smtClean="0">
+                              <a:latin typeface="Cambria Math" panose="02040503050406030204" pitchFamily="18" charset="0"/>
+                            </a:rPr>
+                            <m:t>−1.3&lt;</m:t>
+                          </m:r>
+                          <m:r>
+                            <a:rPr lang="en-US" b="0" i="1" smtClean="0">
+                              <a:latin typeface="Cambria Math" panose="02040503050406030204" pitchFamily="18" charset="0"/>
+                            </a:rPr>
+                            <m:t>𝑋</m:t>
+                          </m:r>
+                          <m:r>
+                            <a:rPr lang="en-US" b="0" i="1" smtClean="0">
+                              <a:latin typeface="Cambria Math" panose="02040503050406030204" pitchFamily="18" charset="0"/>
+                            </a:rPr>
+                            <m:t>&lt;1.8</m:t>
+                          </m:r>
+                        </m:e>
+                      </m:d>
+                      <m:r>
+                        <a:rPr lang="en-US" b="0" i="1" smtClean="0">
+                          <a:latin typeface="Cambria Math" panose="02040503050406030204" pitchFamily="18" charset="0"/>
+                        </a:rPr>
+                        <m:t>?</m:t>
+                      </m:r>
+                    </m:oMath>
+                  </m:oMathPara>
+                </a14:m>
+                <a:endParaRPr lang="en-US" dirty="0"/>
+              </a:p>
+            </p:txBody>
+          </p:sp>
+        </mc:Choice>
+        <mc:Fallback xmlns="">
+          <p:sp>
+            <p:nvSpPr>
+              <p:cNvPr id="6" name="TextBox 5">
+                <a:extLst>
+                  <a:ext uri="{FF2B5EF4-FFF2-40B4-BE49-F238E27FC236}">
+                    <a16:creationId xmlns:a16="http://schemas.microsoft.com/office/drawing/2014/main" id="{F84198F8-374C-85CA-2C5F-407DF162F2C5}"/>
+                  </a:ext>
+                </a:extLst>
+              </p:cNvPr>
+              <p:cNvSpPr txBox="1">
+                <a:spLocks noRot="1" noChangeAspect="1" noMove="1" noResize="1" noEditPoints="1" noAdjustHandles="1" noChangeArrowheads="1" noChangeShapeType="1" noTextEdit="1"/>
+              </p:cNvSpPr>
+              <p:nvPr/>
+            </p:nvSpPr>
+            <p:spPr>
+              <a:xfrm>
+                <a:off x="8154882" y="147503"/>
+                <a:ext cx="2233092" cy="369332"/>
+              </a:xfrm>
+              <a:prstGeom prst="rect">
+                <a:avLst/>
+              </a:prstGeom>
+              <a:blipFill>
+                <a:blip r:embed="rId6"/>
+                <a:stretch>
+                  <a:fillRect/>
+                </a:stretch>
+              </a:blipFill>
+            </p:spPr>
+            <p:txBody>
+              <a:bodyPr/>
+              <a:lstStyle/>
+              <a:p>
+                <a:r>
+                  <a:rPr lang="en-US">
+                    <a:noFill/>
+                  </a:rPr>
+                  <a:t> </a:t>
+                </a:r>
+              </a:p>
+            </p:txBody>
+          </p:sp>
+        </mc:Fallback>
+      </mc:AlternateContent>
+      <mc:AlternateContent xmlns:mc="http://schemas.openxmlformats.org/markup-compatibility/2006" xmlns:a14="http://schemas.microsoft.com/office/drawing/2010/main">
+        <mc:Choice Requires="a14">
+          <p:sp>
+            <p:nvSpPr>
+              <p:cNvPr id="13" name="TextBox 12">
+                <a:extLst>
+                  <a:ext uri="{FF2B5EF4-FFF2-40B4-BE49-F238E27FC236}">
+                    <a16:creationId xmlns:a16="http://schemas.microsoft.com/office/drawing/2014/main" id="{7BF0BF21-C48C-4BF7-F50C-5077258C2FA1}"/>
+                  </a:ext>
+                </a:extLst>
+              </p:cNvPr>
+              <p:cNvSpPr txBox="1"/>
+              <p:nvPr/>
+            </p:nvSpPr>
+            <p:spPr>
+              <a:xfrm>
+                <a:off x="6329054" y="4480535"/>
+                <a:ext cx="1752764" cy="369332"/>
+              </a:xfrm>
+              <a:prstGeom prst="rect">
+                <a:avLst/>
+              </a:prstGeom>
+              <a:noFill/>
+            </p:spPr>
+            <p:txBody>
+              <a:bodyPr wrap="square" rtlCol="0">
+                <a:spAutoFit/>
+              </a:bodyPr>
+              <a:lstStyle/>
+              <a:p>
+                <a:pPr/>
+                <a14:m>
+                  <m:oMathPara xmlns:m="http://schemas.openxmlformats.org/officeDocument/2006/math">
+                    <m:oMathParaPr>
+                      <m:jc m:val="centerGroup"/>
+                    </m:oMathParaPr>
+                    <m:oMath xmlns:m="http://schemas.openxmlformats.org/officeDocument/2006/math">
+                      <m:r>
+                        <a:rPr lang="en-US" b="0" i="1" smtClean="0">
+                          <a:latin typeface="Cambria Math" panose="02040503050406030204" pitchFamily="18" charset="0"/>
+                        </a:rPr>
+                        <m:t>𝑃</m:t>
+                      </m:r>
+                      <m:r>
+                        <a:rPr lang="en-US" b="0" i="1" smtClean="0">
+                          <a:latin typeface="Cambria Math" panose="02040503050406030204" pitchFamily="18" charset="0"/>
+                        </a:rPr>
+                        <m:t>(</m:t>
+                      </m:r>
+                      <m:r>
+                        <a:rPr lang="en-US" b="0" i="1" smtClean="0">
+                          <a:latin typeface="Cambria Math" panose="02040503050406030204" pitchFamily="18" charset="0"/>
+                        </a:rPr>
+                        <m:t>𝑋</m:t>
+                      </m:r>
+                      <m:r>
+                        <a:rPr lang="en-US" b="0" i="1" smtClean="0">
+                          <a:latin typeface="Cambria Math" panose="02040503050406030204" pitchFamily="18" charset="0"/>
+                        </a:rPr>
+                        <m:t>&lt;−1.3)</m:t>
+                      </m:r>
+                    </m:oMath>
+                  </m:oMathPara>
+                </a14:m>
+                <a:endParaRPr lang="en-US" dirty="0"/>
+              </a:p>
+            </p:txBody>
+          </p:sp>
+        </mc:Choice>
+        <mc:Fallback xmlns="">
+          <p:sp>
+            <p:nvSpPr>
+              <p:cNvPr id="13" name="TextBox 12">
+                <a:extLst>
+                  <a:ext uri="{FF2B5EF4-FFF2-40B4-BE49-F238E27FC236}">
+                    <a16:creationId xmlns:a16="http://schemas.microsoft.com/office/drawing/2014/main" id="{7BF0BF21-C48C-4BF7-F50C-5077258C2FA1}"/>
+                  </a:ext>
+                </a:extLst>
+              </p:cNvPr>
+              <p:cNvSpPr txBox="1">
+                <a:spLocks noRot="1" noChangeAspect="1" noMove="1" noResize="1" noEditPoints="1" noAdjustHandles="1" noChangeArrowheads="1" noChangeShapeType="1" noTextEdit="1"/>
+              </p:cNvSpPr>
+              <p:nvPr/>
+            </p:nvSpPr>
+            <p:spPr>
+              <a:xfrm>
+                <a:off x="6329054" y="4480535"/>
+                <a:ext cx="1752764" cy="369332"/>
+              </a:xfrm>
+              <a:prstGeom prst="rect">
+                <a:avLst/>
+              </a:prstGeom>
+              <a:blipFill>
+                <a:blip r:embed="rId7"/>
+                <a:stretch>
+                  <a:fillRect b="-11475"/>
+                </a:stretch>
+              </a:blipFill>
+            </p:spPr>
+            <p:txBody>
+              <a:bodyPr/>
+              <a:lstStyle/>
+              <a:p>
+                <a:r>
+                  <a:rPr lang="en-US">
+                    <a:noFill/>
+                  </a:rPr>
+                  <a:t> </a:t>
+                </a:r>
+              </a:p>
+            </p:txBody>
+          </p:sp>
+        </mc:Fallback>
+      </mc:AlternateContent>
+    </p:spTree>
+    <p:extLst>
+      <p:ext uri="{BB962C8B-B14F-4D97-AF65-F5344CB8AC3E}">
+        <p14:creationId xmlns:p14="http://schemas.microsoft.com/office/powerpoint/2010/main" val="3461061581"/>
+      </p:ext>
+    </p:extLst>
+  </p:cSld>
+  <p:clrMapOvr>
+    <a:masterClrMapping/>
+  </p:clrMapOvr>
+</p:sld>
+</file>
+
 <file path=ppt/slides/slide7.xml><?xml version="1.0" encoding="utf-8"?>
 <p:sld xmlns:a="http://schemas.openxmlformats.org/drawingml/2006/main" xmlns:r="http://schemas.openxmlformats.org/officeDocument/2006/relationships" xmlns:p="http://schemas.openxmlformats.org/presentationml/2006/main">
   <p:cSld>
@@ -10552,8 +10552,8 @@
           </a:p>
         </p:txBody>
       </p:sp>
-      <mc:AlternateContent xmlns:mc="http://schemas.openxmlformats.org/markup-compatibility/2006">
-        <mc:Choice xmlns:a14="http://schemas.microsoft.com/office/drawing/2010/main" Requires="a14">
+      <mc:AlternateContent xmlns:mc="http://schemas.openxmlformats.org/markup-compatibility/2006" xmlns:a14="http://schemas.microsoft.com/office/drawing/2010/main">
+        <mc:Choice Requires="a14">
           <p:sp>
             <p:nvSpPr>
               <p:cNvPr id="3" name="Content Placeholder 2">
@@ -10806,7 +10806,7 @@
             </p:txBody>
           </p:sp>
         </mc:Choice>
-        <mc:Fallback>
+        <mc:Fallback xmlns="">
           <p:sp>
             <p:nvSpPr>
               <p:cNvPr id="3" name="Content Placeholder 2">
